--- a/docs/4. merge.pptx
+++ b/docs/4. merge.pptx
@@ -5,7 +5,7 @@
     <p:sldMasterId id="2147483648" r:id="rId1"/>
   </p:sldMasterIdLst>
   <p:notesMasterIdLst>
-    <p:notesMasterId r:id="rId28"/>
+    <p:notesMasterId r:id="rId41"/>
   </p:notesMasterIdLst>
   <p:sldIdLst>
     <p:sldId id="257" r:id="rId2"/>
@@ -33,7 +33,20 @@
     <p:sldId id="339" r:id="rId24"/>
     <p:sldId id="348" r:id="rId25"/>
     <p:sldId id="349" r:id="rId26"/>
-    <p:sldId id="260" r:id="rId27"/>
+    <p:sldId id="350" r:id="rId27"/>
+    <p:sldId id="351" r:id="rId28"/>
+    <p:sldId id="355" r:id="rId29"/>
+    <p:sldId id="352" r:id="rId30"/>
+    <p:sldId id="353" r:id="rId31"/>
+    <p:sldId id="354" r:id="rId32"/>
+    <p:sldId id="356" r:id="rId33"/>
+    <p:sldId id="357" r:id="rId34"/>
+    <p:sldId id="358" r:id="rId35"/>
+    <p:sldId id="359" r:id="rId36"/>
+    <p:sldId id="360" r:id="rId37"/>
+    <p:sldId id="361" r:id="rId38"/>
+    <p:sldId id="260" r:id="rId39"/>
+    <p:sldId id="262" r:id="rId40"/>
   </p:sldIdLst>
   <p:sldSz cx="12192000" cy="6858000"/>
   <p:notesSz cx="6858000" cy="9144000"/>
@@ -1473,7 +1486,7 @@
           <a:p>
             <a:fld id="{EFBA5509-D1D1-47CF-BFB7-E1AA9548D41D}" type="datetimeFigureOut">
               <a:rPr lang="ko-KR" altLang="en-US" smtClean="0"/>
-              <a:t>2022-11-25</a:t>
+              <a:t>2022-11-26</a:t>
             </a:fld>
             <a:endParaRPr lang="ko-KR" altLang="en-US"/>
           </a:p>
@@ -3185,6 +3198,678 @@
 </p:notes>
 </file>
 
+<file path=ppt/notesSlides/notesSlide22.xml><?xml version="1.0" encoding="utf-8"?>
+<p:notes xmlns:a="http://schemas.openxmlformats.org/drawingml/2006/main" xmlns:r="http://schemas.openxmlformats.org/officeDocument/2006/relationships" xmlns:p="http://schemas.openxmlformats.org/presentationml/2006/main">
+  <p:cSld>
+    <p:spTree>
+      <p:nvGrpSpPr>
+        <p:cNvPr id="1" name=""/>
+        <p:cNvGrpSpPr/>
+        <p:nvPr/>
+      </p:nvGrpSpPr>
+      <p:grpSpPr>
+        <a:xfrm>
+          <a:off x="0" y="0"/>
+          <a:ext cx="0" cy="0"/>
+          <a:chOff x="0" y="0"/>
+          <a:chExt cx="0" cy="0"/>
+        </a:xfrm>
+      </p:grpSpPr>
+      <p:sp>
+        <p:nvSpPr>
+          <p:cNvPr id="2" name="슬라이드 이미지 개체 틀 1"/>
+          <p:cNvSpPr>
+            <a:spLocks noGrp="1" noRot="1" noChangeAspect="1"/>
+          </p:cNvSpPr>
+          <p:nvPr>
+            <p:ph type="sldImg"/>
+          </p:nvPr>
+        </p:nvSpPr>
+        <p:spPr/>
+      </p:sp>
+      <p:sp>
+        <p:nvSpPr>
+          <p:cNvPr id="3" name="슬라이드 노트 개체 틀 2"/>
+          <p:cNvSpPr>
+            <a:spLocks noGrp="1"/>
+          </p:cNvSpPr>
+          <p:nvPr>
+            <p:ph type="body" idx="1"/>
+          </p:nvPr>
+        </p:nvSpPr>
+        <p:spPr/>
+        <p:txBody>
+          <a:bodyPr/>
+          <a:lstStyle/>
+          <a:p>
+            <a:endParaRPr lang="ko-KR" altLang="en-US" dirty="0"/>
+          </a:p>
+        </p:txBody>
+      </p:sp>
+      <p:sp>
+        <p:nvSpPr>
+          <p:cNvPr id="4" name="슬라이드 번호 개체 틀 3"/>
+          <p:cNvSpPr>
+            <a:spLocks noGrp="1"/>
+          </p:cNvSpPr>
+          <p:nvPr>
+            <p:ph type="sldNum" sz="quarter" idx="5"/>
+          </p:nvPr>
+        </p:nvSpPr>
+        <p:spPr/>
+        <p:txBody>
+          <a:bodyPr/>
+          <a:lstStyle/>
+          <a:p>
+            <a:fld id="{145D4F75-7E5F-419D-AB03-9C193CB4F170}" type="slidenum">
+              <a:rPr lang="ko-KR" altLang="en-US" smtClean="0"/>
+              <a:t>27</a:t>
+            </a:fld>
+            <a:endParaRPr lang="ko-KR" altLang="en-US"/>
+          </a:p>
+        </p:txBody>
+      </p:sp>
+    </p:spTree>
+    <p:extLst>
+      <p:ext uri="{BB962C8B-B14F-4D97-AF65-F5344CB8AC3E}">
+        <p14:creationId xmlns:p14="http://schemas.microsoft.com/office/powerpoint/2010/main" val="4166110264"/>
+      </p:ext>
+    </p:extLst>
+  </p:cSld>
+  <p:clrMapOvr>
+    <a:masterClrMapping/>
+  </p:clrMapOvr>
+</p:notes>
+</file>
+
+<file path=ppt/notesSlides/notesSlide23.xml><?xml version="1.0" encoding="utf-8"?>
+<p:notes xmlns:a="http://schemas.openxmlformats.org/drawingml/2006/main" xmlns:r="http://schemas.openxmlformats.org/officeDocument/2006/relationships" xmlns:p="http://schemas.openxmlformats.org/presentationml/2006/main">
+  <p:cSld>
+    <p:spTree>
+      <p:nvGrpSpPr>
+        <p:cNvPr id="1" name=""/>
+        <p:cNvGrpSpPr/>
+        <p:nvPr/>
+      </p:nvGrpSpPr>
+      <p:grpSpPr>
+        <a:xfrm>
+          <a:off x="0" y="0"/>
+          <a:ext cx="0" cy="0"/>
+          <a:chOff x="0" y="0"/>
+          <a:chExt cx="0" cy="0"/>
+        </a:xfrm>
+      </p:grpSpPr>
+      <p:sp>
+        <p:nvSpPr>
+          <p:cNvPr id="2" name="슬라이드 이미지 개체 틀 1"/>
+          <p:cNvSpPr>
+            <a:spLocks noGrp="1" noRot="1" noChangeAspect="1"/>
+          </p:cNvSpPr>
+          <p:nvPr>
+            <p:ph type="sldImg"/>
+          </p:nvPr>
+        </p:nvSpPr>
+        <p:spPr/>
+      </p:sp>
+      <p:sp>
+        <p:nvSpPr>
+          <p:cNvPr id="3" name="슬라이드 노트 개체 틀 2"/>
+          <p:cNvSpPr>
+            <a:spLocks noGrp="1"/>
+          </p:cNvSpPr>
+          <p:nvPr>
+            <p:ph type="body" idx="1"/>
+          </p:nvPr>
+        </p:nvSpPr>
+        <p:spPr/>
+        <p:txBody>
+          <a:bodyPr/>
+          <a:lstStyle/>
+          <a:p>
+            <a:endParaRPr lang="ko-KR" altLang="en-US" dirty="0"/>
+          </a:p>
+        </p:txBody>
+      </p:sp>
+      <p:sp>
+        <p:nvSpPr>
+          <p:cNvPr id="4" name="슬라이드 번호 개체 틀 3"/>
+          <p:cNvSpPr>
+            <a:spLocks noGrp="1"/>
+          </p:cNvSpPr>
+          <p:nvPr>
+            <p:ph type="sldNum" sz="quarter" idx="5"/>
+          </p:nvPr>
+        </p:nvSpPr>
+        <p:spPr/>
+        <p:txBody>
+          <a:bodyPr/>
+          <a:lstStyle/>
+          <a:p>
+            <a:fld id="{145D4F75-7E5F-419D-AB03-9C193CB4F170}" type="slidenum">
+              <a:rPr lang="ko-KR" altLang="en-US" smtClean="0"/>
+              <a:t>28</a:t>
+            </a:fld>
+            <a:endParaRPr lang="ko-KR" altLang="en-US"/>
+          </a:p>
+        </p:txBody>
+      </p:sp>
+    </p:spTree>
+    <p:extLst>
+      <p:ext uri="{BB962C8B-B14F-4D97-AF65-F5344CB8AC3E}">
+        <p14:creationId xmlns:p14="http://schemas.microsoft.com/office/powerpoint/2010/main" val="1778719981"/>
+      </p:ext>
+    </p:extLst>
+  </p:cSld>
+  <p:clrMapOvr>
+    <a:masterClrMapping/>
+  </p:clrMapOvr>
+</p:notes>
+</file>
+
+<file path=ppt/notesSlides/notesSlide24.xml><?xml version="1.0" encoding="utf-8"?>
+<p:notes xmlns:a="http://schemas.openxmlformats.org/drawingml/2006/main" xmlns:r="http://schemas.openxmlformats.org/officeDocument/2006/relationships" xmlns:p="http://schemas.openxmlformats.org/presentationml/2006/main">
+  <p:cSld>
+    <p:spTree>
+      <p:nvGrpSpPr>
+        <p:cNvPr id="1" name=""/>
+        <p:cNvGrpSpPr/>
+        <p:nvPr/>
+      </p:nvGrpSpPr>
+      <p:grpSpPr>
+        <a:xfrm>
+          <a:off x="0" y="0"/>
+          <a:ext cx="0" cy="0"/>
+          <a:chOff x="0" y="0"/>
+          <a:chExt cx="0" cy="0"/>
+        </a:xfrm>
+      </p:grpSpPr>
+      <p:sp>
+        <p:nvSpPr>
+          <p:cNvPr id="2" name="슬라이드 이미지 개체 틀 1"/>
+          <p:cNvSpPr>
+            <a:spLocks noGrp="1" noRot="1" noChangeAspect="1"/>
+          </p:cNvSpPr>
+          <p:nvPr>
+            <p:ph type="sldImg"/>
+          </p:nvPr>
+        </p:nvSpPr>
+        <p:spPr/>
+      </p:sp>
+      <p:sp>
+        <p:nvSpPr>
+          <p:cNvPr id="3" name="슬라이드 노트 개체 틀 2"/>
+          <p:cNvSpPr>
+            <a:spLocks noGrp="1"/>
+          </p:cNvSpPr>
+          <p:nvPr>
+            <p:ph type="body" idx="1"/>
+          </p:nvPr>
+        </p:nvSpPr>
+        <p:spPr/>
+        <p:txBody>
+          <a:bodyPr/>
+          <a:lstStyle/>
+          <a:p>
+            <a:endParaRPr lang="ko-KR" altLang="en-US" dirty="0"/>
+          </a:p>
+        </p:txBody>
+      </p:sp>
+      <p:sp>
+        <p:nvSpPr>
+          <p:cNvPr id="4" name="슬라이드 번호 개체 틀 3"/>
+          <p:cNvSpPr>
+            <a:spLocks noGrp="1"/>
+          </p:cNvSpPr>
+          <p:nvPr>
+            <p:ph type="sldNum" sz="quarter" idx="5"/>
+          </p:nvPr>
+        </p:nvSpPr>
+        <p:spPr/>
+        <p:txBody>
+          <a:bodyPr/>
+          <a:lstStyle/>
+          <a:p>
+            <a:fld id="{145D4F75-7E5F-419D-AB03-9C193CB4F170}" type="slidenum">
+              <a:rPr lang="ko-KR" altLang="en-US" smtClean="0"/>
+              <a:t>29</a:t>
+            </a:fld>
+            <a:endParaRPr lang="ko-KR" altLang="en-US"/>
+          </a:p>
+        </p:txBody>
+      </p:sp>
+    </p:spTree>
+    <p:extLst>
+      <p:ext uri="{BB962C8B-B14F-4D97-AF65-F5344CB8AC3E}">
+        <p14:creationId xmlns:p14="http://schemas.microsoft.com/office/powerpoint/2010/main" val="1161693711"/>
+      </p:ext>
+    </p:extLst>
+  </p:cSld>
+  <p:clrMapOvr>
+    <a:masterClrMapping/>
+  </p:clrMapOvr>
+</p:notes>
+</file>
+
+<file path=ppt/notesSlides/notesSlide25.xml><?xml version="1.0" encoding="utf-8"?>
+<p:notes xmlns:a="http://schemas.openxmlformats.org/drawingml/2006/main" xmlns:r="http://schemas.openxmlformats.org/officeDocument/2006/relationships" xmlns:p="http://schemas.openxmlformats.org/presentationml/2006/main">
+  <p:cSld>
+    <p:spTree>
+      <p:nvGrpSpPr>
+        <p:cNvPr id="1" name=""/>
+        <p:cNvGrpSpPr/>
+        <p:nvPr/>
+      </p:nvGrpSpPr>
+      <p:grpSpPr>
+        <a:xfrm>
+          <a:off x="0" y="0"/>
+          <a:ext cx="0" cy="0"/>
+          <a:chOff x="0" y="0"/>
+          <a:chExt cx="0" cy="0"/>
+        </a:xfrm>
+      </p:grpSpPr>
+      <p:sp>
+        <p:nvSpPr>
+          <p:cNvPr id="2" name="슬라이드 이미지 개체 틀 1"/>
+          <p:cNvSpPr>
+            <a:spLocks noGrp="1" noRot="1" noChangeAspect="1"/>
+          </p:cNvSpPr>
+          <p:nvPr>
+            <p:ph type="sldImg"/>
+          </p:nvPr>
+        </p:nvSpPr>
+        <p:spPr/>
+      </p:sp>
+      <p:sp>
+        <p:nvSpPr>
+          <p:cNvPr id="3" name="슬라이드 노트 개체 틀 2"/>
+          <p:cNvSpPr>
+            <a:spLocks noGrp="1"/>
+          </p:cNvSpPr>
+          <p:nvPr>
+            <p:ph type="body" idx="1"/>
+          </p:nvPr>
+        </p:nvSpPr>
+        <p:spPr/>
+        <p:txBody>
+          <a:bodyPr/>
+          <a:lstStyle/>
+          <a:p>
+            <a:endParaRPr lang="ko-KR" altLang="en-US" dirty="0"/>
+          </a:p>
+        </p:txBody>
+      </p:sp>
+      <p:sp>
+        <p:nvSpPr>
+          <p:cNvPr id="4" name="슬라이드 번호 개체 틀 3"/>
+          <p:cNvSpPr>
+            <a:spLocks noGrp="1"/>
+          </p:cNvSpPr>
+          <p:nvPr>
+            <p:ph type="sldNum" sz="quarter" idx="5"/>
+          </p:nvPr>
+        </p:nvSpPr>
+        <p:spPr/>
+        <p:txBody>
+          <a:bodyPr/>
+          <a:lstStyle/>
+          <a:p>
+            <a:fld id="{145D4F75-7E5F-419D-AB03-9C193CB4F170}" type="slidenum">
+              <a:rPr lang="ko-KR" altLang="en-US" smtClean="0"/>
+              <a:t>30</a:t>
+            </a:fld>
+            <a:endParaRPr lang="ko-KR" altLang="en-US"/>
+          </a:p>
+        </p:txBody>
+      </p:sp>
+    </p:spTree>
+    <p:extLst>
+      <p:ext uri="{BB962C8B-B14F-4D97-AF65-F5344CB8AC3E}">
+        <p14:creationId xmlns:p14="http://schemas.microsoft.com/office/powerpoint/2010/main" val="3784540414"/>
+      </p:ext>
+    </p:extLst>
+  </p:cSld>
+  <p:clrMapOvr>
+    <a:masterClrMapping/>
+  </p:clrMapOvr>
+</p:notes>
+</file>
+
+<file path=ppt/notesSlides/notesSlide26.xml><?xml version="1.0" encoding="utf-8"?>
+<p:notes xmlns:a="http://schemas.openxmlformats.org/drawingml/2006/main" xmlns:r="http://schemas.openxmlformats.org/officeDocument/2006/relationships" xmlns:p="http://schemas.openxmlformats.org/presentationml/2006/main">
+  <p:cSld>
+    <p:spTree>
+      <p:nvGrpSpPr>
+        <p:cNvPr id="1" name=""/>
+        <p:cNvGrpSpPr/>
+        <p:nvPr/>
+      </p:nvGrpSpPr>
+      <p:grpSpPr>
+        <a:xfrm>
+          <a:off x="0" y="0"/>
+          <a:ext cx="0" cy="0"/>
+          <a:chOff x="0" y="0"/>
+          <a:chExt cx="0" cy="0"/>
+        </a:xfrm>
+      </p:grpSpPr>
+      <p:sp>
+        <p:nvSpPr>
+          <p:cNvPr id="2" name="슬라이드 이미지 개체 틀 1"/>
+          <p:cNvSpPr>
+            <a:spLocks noGrp="1" noRot="1" noChangeAspect="1"/>
+          </p:cNvSpPr>
+          <p:nvPr>
+            <p:ph type="sldImg"/>
+          </p:nvPr>
+        </p:nvSpPr>
+        <p:spPr/>
+      </p:sp>
+      <p:sp>
+        <p:nvSpPr>
+          <p:cNvPr id="3" name="슬라이드 노트 개체 틀 2"/>
+          <p:cNvSpPr>
+            <a:spLocks noGrp="1"/>
+          </p:cNvSpPr>
+          <p:nvPr>
+            <p:ph type="body" idx="1"/>
+          </p:nvPr>
+        </p:nvSpPr>
+        <p:spPr/>
+        <p:txBody>
+          <a:bodyPr/>
+          <a:lstStyle/>
+          <a:p>
+            <a:endParaRPr lang="ko-KR" altLang="en-US" dirty="0"/>
+          </a:p>
+        </p:txBody>
+      </p:sp>
+      <p:sp>
+        <p:nvSpPr>
+          <p:cNvPr id="4" name="슬라이드 번호 개체 틀 3"/>
+          <p:cNvSpPr>
+            <a:spLocks noGrp="1"/>
+          </p:cNvSpPr>
+          <p:nvPr>
+            <p:ph type="sldNum" sz="quarter" idx="5"/>
+          </p:nvPr>
+        </p:nvSpPr>
+        <p:spPr/>
+        <p:txBody>
+          <a:bodyPr/>
+          <a:lstStyle/>
+          <a:p>
+            <a:fld id="{145D4F75-7E5F-419D-AB03-9C193CB4F170}" type="slidenum">
+              <a:rPr lang="ko-KR" altLang="en-US" smtClean="0"/>
+              <a:t>31</a:t>
+            </a:fld>
+            <a:endParaRPr lang="ko-KR" altLang="en-US"/>
+          </a:p>
+        </p:txBody>
+      </p:sp>
+    </p:spTree>
+    <p:extLst>
+      <p:ext uri="{BB962C8B-B14F-4D97-AF65-F5344CB8AC3E}">
+        <p14:creationId xmlns:p14="http://schemas.microsoft.com/office/powerpoint/2010/main" val="1303560683"/>
+      </p:ext>
+    </p:extLst>
+  </p:cSld>
+  <p:clrMapOvr>
+    <a:masterClrMapping/>
+  </p:clrMapOvr>
+</p:notes>
+</file>
+
+<file path=ppt/notesSlides/notesSlide27.xml><?xml version="1.0" encoding="utf-8"?>
+<p:notes xmlns:a="http://schemas.openxmlformats.org/drawingml/2006/main" xmlns:r="http://schemas.openxmlformats.org/officeDocument/2006/relationships" xmlns:p="http://schemas.openxmlformats.org/presentationml/2006/main">
+  <p:cSld>
+    <p:spTree>
+      <p:nvGrpSpPr>
+        <p:cNvPr id="1" name=""/>
+        <p:cNvGrpSpPr/>
+        <p:nvPr/>
+      </p:nvGrpSpPr>
+      <p:grpSpPr>
+        <a:xfrm>
+          <a:off x="0" y="0"/>
+          <a:ext cx="0" cy="0"/>
+          <a:chOff x="0" y="0"/>
+          <a:chExt cx="0" cy="0"/>
+        </a:xfrm>
+      </p:grpSpPr>
+      <p:sp>
+        <p:nvSpPr>
+          <p:cNvPr id="2" name="슬라이드 이미지 개체 틀 1"/>
+          <p:cNvSpPr>
+            <a:spLocks noGrp="1" noRot="1" noChangeAspect="1"/>
+          </p:cNvSpPr>
+          <p:nvPr>
+            <p:ph type="sldImg"/>
+          </p:nvPr>
+        </p:nvSpPr>
+        <p:spPr/>
+      </p:sp>
+      <p:sp>
+        <p:nvSpPr>
+          <p:cNvPr id="3" name="슬라이드 노트 개체 틀 2"/>
+          <p:cNvSpPr>
+            <a:spLocks noGrp="1"/>
+          </p:cNvSpPr>
+          <p:nvPr>
+            <p:ph type="body" idx="1"/>
+          </p:nvPr>
+        </p:nvSpPr>
+        <p:spPr/>
+        <p:txBody>
+          <a:bodyPr/>
+          <a:lstStyle/>
+          <a:p>
+            <a:endParaRPr lang="ko-KR" altLang="en-US" dirty="0"/>
+          </a:p>
+        </p:txBody>
+      </p:sp>
+      <p:sp>
+        <p:nvSpPr>
+          <p:cNvPr id="4" name="슬라이드 번호 개체 틀 3"/>
+          <p:cNvSpPr>
+            <a:spLocks noGrp="1"/>
+          </p:cNvSpPr>
+          <p:nvPr>
+            <p:ph type="sldNum" sz="quarter" idx="5"/>
+          </p:nvPr>
+        </p:nvSpPr>
+        <p:spPr/>
+        <p:txBody>
+          <a:bodyPr/>
+          <a:lstStyle/>
+          <a:p>
+            <a:fld id="{145D4F75-7E5F-419D-AB03-9C193CB4F170}" type="slidenum">
+              <a:rPr lang="ko-KR" altLang="en-US" smtClean="0"/>
+              <a:t>33</a:t>
+            </a:fld>
+            <a:endParaRPr lang="ko-KR" altLang="en-US"/>
+          </a:p>
+        </p:txBody>
+      </p:sp>
+    </p:spTree>
+    <p:extLst>
+      <p:ext uri="{BB962C8B-B14F-4D97-AF65-F5344CB8AC3E}">
+        <p14:creationId xmlns:p14="http://schemas.microsoft.com/office/powerpoint/2010/main" val="1769318921"/>
+      </p:ext>
+    </p:extLst>
+  </p:cSld>
+  <p:clrMapOvr>
+    <a:masterClrMapping/>
+  </p:clrMapOvr>
+</p:notes>
+</file>
+
+<file path=ppt/notesSlides/notesSlide28.xml><?xml version="1.0" encoding="utf-8"?>
+<p:notes xmlns:a="http://schemas.openxmlformats.org/drawingml/2006/main" xmlns:r="http://schemas.openxmlformats.org/officeDocument/2006/relationships" xmlns:p="http://schemas.openxmlformats.org/presentationml/2006/main">
+  <p:cSld>
+    <p:spTree>
+      <p:nvGrpSpPr>
+        <p:cNvPr id="1" name=""/>
+        <p:cNvGrpSpPr/>
+        <p:nvPr/>
+      </p:nvGrpSpPr>
+      <p:grpSpPr>
+        <a:xfrm>
+          <a:off x="0" y="0"/>
+          <a:ext cx="0" cy="0"/>
+          <a:chOff x="0" y="0"/>
+          <a:chExt cx="0" cy="0"/>
+        </a:xfrm>
+      </p:grpSpPr>
+      <p:sp>
+        <p:nvSpPr>
+          <p:cNvPr id="2" name="슬라이드 이미지 개체 틀 1"/>
+          <p:cNvSpPr>
+            <a:spLocks noGrp="1" noRot="1" noChangeAspect="1"/>
+          </p:cNvSpPr>
+          <p:nvPr>
+            <p:ph type="sldImg"/>
+          </p:nvPr>
+        </p:nvSpPr>
+        <p:spPr/>
+      </p:sp>
+      <p:sp>
+        <p:nvSpPr>
+          <p:cNvPr id="3" name="슬라이드 노트 개체 틀 2"/>
+          <p:cNvSpPr>
+            <a:spLocks noGrp="1"/>
+          </p:cNvSpPr>
+          <p:nvPr>
+            <p:ph type="body" idx="1"/>
+          </p:nvPr>
+        </p:nvSpPr>
+        <p:spPr/>
+        <p:txBody>
+          <a:bodyPr/>
+          <a:lstStyle/>
+          <a:p>
+            <a:endParaRPr lang="ko-KR" altLang="en-US" dirty="0"/>
+          </a:p>
+        </p:txBody>
+      </p:sp>
+      <p:sp>
+        <p:nvSpPr>
+          <p:cNvPr id="4" name="슬라이드 번호 개체 틀 3"/>
+          <p:cNvSpPr>
+            <a:spLocks noGrp="1"/>
+          </p:cNvSpPr>
+          <p:nvPr>
+            <p:ph type="sldNum" sz="quarter" idx="5"/>
+          </p:nvPr>
+        </p:nvSpPr>
+        <p:spPr/>
+        <p:txBody>
+          <a:bodyPr/>
+          <a:lstStyle/>
+          <a:p>
+            <a:fld id="{145D4F75-7E5F-419D-AB03-9C193CB4F170}" type="slidenum">
+              <a:rPr lang="ko-KR" altLang="en-US" smtClean="0"/>
+              <a:t>34</a:t>
+            </a:fld>
+            <a:endParaRPr lang="ko-KR" altLang="en-US"/>
+          </a:p>
+        </p:txBody>
+      </p:sp>
+    </p:spTree>
+    <p:extLst>
+      <p:ext uri="{BB962C8B-B14F-4D97-AF65-F5344CB8AC3E}">
+        <p14:creationId xmlns:p14="http://schemas.microsoft.com/office/powerpoint/2010/main" val="799864658"/>
+      </p:ext>
+    </p:extLst>
+  </p:cSld>
+  <p:clrMapOvr>
+    <a:masterClrMapping/>
+  </p:clrMapOvr>
+</p:notes>
+</file>
+
+<file path=ppt/notesSlides/notesSlide29.xml><?xml version="1.0" encoding="utf-8"?>
+<p:notes xmlns:a="http://schemas.openxmlformats.org/drawingml/2006/main" xmlns:r="http://schemas.openxmlformats.org/officeDocument/2006/relationships" xmlns:p="http://schemas.openxmlformats.org/presentationml/2006/main">
+  <p:cSld>
+    <p:spTree>
+      <p:nvGrpSpPr>
+        <p:cNvPr id="1" name=""/>
+        <p:cNvGrpSpPr/>
+        <p:nvPr/>
+      </p:nvGrpSpPr>
+      <p:grpSpPr>
+        <a:xfrm>
+          <a:off x="0" y="0"/>
+          <a:ext cx="0" cy="0"/>
+          <a:chOff x="0" y="0"/>
+          <a:chExt cx="0" cy="0"/>
+        </a:xfrm>
+      </p:grpSpPr>
+      <p:sp>
+        <p:nvSpPr>
+          <p:cNvPr id="2" name="슬라이드 이미지 개체 틀 1"/>
+          <p:cNvSpPr>
+            <a:spLocks noGrp="1" noRot="1" noChangeAspect="1"/>
+          </p:cNvSpPr>
+          <p:nvPr>
+            <p:ph type="sldImg"/>
+          </p:nvPr>
+        </p:nvSpPr>
+        <p:spPr/>
+      </p:sp>
+      <p:sp>
+        <p:nvSpPr>
+          <p:cNvPr id="3" name="슬라이드 노트 개체 틀 2"/>
+          <p:cNvSpPr>
+            <a:spLocks noGrp="1"/>
+          </p:cNvSpPr>
+          <p:nvPr>
+            <p:ph type="body" idx="1"/>
+          </p:nvPr>
+        </p:nvSpPr>
+        <p:spPr/>
+        <p:txBody>
+          <a:bodyPr/>
+          <a:lstStyle/>
+          <a:p>
+            <a:endParaRPr lang="ko-KR" altLang="en-US" dirty="0"/>
+          </a:p>
+        </p:txBody>
+      </p:sp>
+      <p:sp>
+        <p:nvSpPr>
+          <p:cNvPr id="4" name="슬라이드 번호 개체 틀 3"/>
+          <p:cNvSpPr>
+            <a:spLocks noGrp="1"/>
+          </p:cNvSpPr>
+          <p:nvPr>
+            <p:ph type="sldNum" sz="quarter" idx="5"/>
+          </p:nvPr>
+        </p:nvSpPr>
+        <p:spPr/>
+        <p:txBody>
+          <a:bodyPr/>
+          <a:lstStyle/>
+          <a:p>
+            <a:fld id="{145D4F75-7E5F-419D-AB03-9C193CB4F170}" type="slidenum">
+              <a:rPr lang="ko-KR" altLang="en-US" smtClean="0"/>
+              <a:t>35</a:t>
+            </a:fld>
+            <a:endParaRPr lang="ko-KR" altLang="en-US"/>
+          </a:p>
+        </p:txBody>
+      </p:sp>
+    </p:spTree>
+    <p:extLst>
+      <p:ext uri="{BB962C8B-B14F-4D97-AF65-F5344CB8AC3E}">
+        <p14:creationId xmlns:p14="http://schemas.microsoft.com/office/powerpoint/2010/main" val="508997088"/>
+      </p:ext>
+    </p:extLst>
+  </p:cSld>
+  <p:clrMapOvr>
+    <a:masterClrMapping/>
+  </p:clrMapOvr>
+</p:notes>
+</file>
+
 <file path=ppt/notesSlides/notesSlide3.xml><?xml version="1.0" encoding="utf-8"?>
 <p:notes xmlns:a="http://schemas.openxmlformats.org/drawingml/2006/main" xmlns:r="http://schemas.openxmlformats.org/officeDocument/2006/relationships" xmlns:p="http://schemas.openxmlformats.org/presentationml/2006/main">
   <p:cSld>
@@ -3260,6 +3945,174 @@
     <p:extLst>
       <p:ext uri="{BB962C8B-B14F-4D97-AF65-F5344CB8AC3E}">
         <p14:creationId xmlns:p14="http://schemas.microsoft.com/office/powerpoint/2010/main" val="3858028971"/>
+      </p:ext>
+    </p:extLst>
+  </p:cSld>
+  <p:clrMapOvr>
+    <a:masterClrMapping/>
+  </p:clrMapOvr>
+</p:notes>
+</file>
+
+<file path=ppt/notesSlides/notesSlide30.xml><?xml version="1.0" encoding="utf-8"?>
+<p:notes xmlns:a="http://schemas.openxmlformats.org/drawingml/2006/main" xmlns:r="http://schemas.openxmlformats.org/officeDocument/2006/relationships" xmlns:p="http://schemas.openxmlformats.org/presentationml/2006/main">
+  <p:cSld>
+    <p:spTree>
+      <p:nvGrpSpPr>
+        <p:cNvPr id="1" name=""/>
+        <p:cNvGrpSpPr/>
+        <p:nvPr/>
+      </p:nvGrpSpPr>
+      <p:grpSpPr>
+        <a:xfrm>
+          <a:off x="0" y="0"/>
+          <a:ext cx="0" cy="0"/>
+          <a:chOff x="0" y="0"/>
+          <a:chExt cx="0" cy="0"/>
+        </a:xfrm>
+      </p:grpSpPr>
+      <p:sp>
+        <p:nvSpPr>
+          <p:cNvPr id="2" name="슬라이드 이미지 개체 틀 1"/>
+          <p:cNvSpPr>
+            <a:spLocks noGrp="1" noRot="1" noChangeAspect="1"/>
+          </p:cNvSpPr>
+          <p:nvPr>
+            <p:ph type="sldImg"/>
+          </p:nvPr>
+        </p:nvSpPr>
+        <p:spPr/>
+      </p:sp>
+      <p:sp>
+        <p:nvSpPr>
+          <p:cNvPr id="3" name="슬라이드 노트 개체 틀 2"/>
+          <p:cNvSpPr>
+            <a:spLocks noGrp="1"/>
+          </p:cNvSpPr>
+          <p:nvPr>
+            <p:ph type="body" idx="1"/>
+          </p:nvPr>
+        </p:nvSpPr>
+        <p:spPr/>
+        <p:txBody>
+          <a:bodyPr/>
+          <a:lstStyle/>
+          <a:p>
+            <a:endParaRPr lang="ko-KR" altLang="en-US" dirty="0"/>
+          </a:p>
+        </p:txBody>
+      </p:sp>
+      <p:sp>
+        <p:nvSpPr>
+          <p:cNvPr id="4" name="슬라이드 번호 개체 틀 3"/>
+          <p:cNvSpPr>
+            <a:spLocks noGrp="1"/>
+          </p:cNvSpPr>
+          <p:nvPr>
+            <p:ph type="sldNum" sz="quarter" idx="5"/>
+          </p:nvPr>
+        </p:nvSpPr>
+        <p:spPr/>
+        <p:txBody>
+          <a:bodyPr/>
+          <a:lstStyle/>
+          <a:p>
+            <a:fld id="{145D4F75-7E5F-419D-AB03-9C193CB4F170}" type="slidenum">
+              <a:rPr lang="ko-KR" altLang="en-US" smtClean="0"/>
+              <a:t>36</a:t>
+            </a:fld>
+            <a:endParaRPr lang="ko-KR" altLang="en-US"/>
+          </a:p>
+        </p:txBody>
+      </p:sp>
+    </p:spTree>
+    <p:extLst>
+      <p:ext uri="{BB962C8B-B14F-4D97-AF65-F5344CB8AC3E}">
+        <p14:creationId xmlns:p14="http://schemas.microsoft.com/office/powerpoint/2010/main" val="2124890609"/>
+      </p:ext>
+    </p:extLst>
+  </p:cSld>
+  <p:clrMapOvr>
+    <a:masterClrMapping/>
+  </p:clrMapOvr>
+</p:notes>
+</file>
+
+<file path=ppt/notesSlides/notesSlide31.xml><?xml version="1.0" encoding="utf-8"?>
+<p:notes xmlns:a="http://schemas.openxmlformats.org/drawingml/2006/main" xmlns:r="http://schemas.openxmlformats.org/officeDocument/2006/relationships" xmlns:p="http://schemas.openxmlformats.org/presentationml/2006/main">
+  <p:cSld>
+    <p:spTree>
+      <p:nvGrpSpPr>
+        <p:cNvPr id="1" name=""/>
+        <p:cNvGrpSpPr/>
+        <p:nvPr/>
+      </p:nvGrpSpPr>
+      <p:grpSpPr>
+        <a:xfrm>
+          <a:off x="0" y="0"/>
+          <a:ext cx="0" cy="0"/>
+          <a:chOff x="0" y="0"/>
+          <a:chExt cx="0" cy="0"/>
+        </a:xfrm>
+      </p:grpSpPr>
+      <p:sp>
+        <p:nvSpPr>
+          <p:cNvPr id="2" name="슬라이드 이미지 개체 틀 1"/>
+          <p:cNvSpPr>
+            <a:spLocks noGrp="1" noRot="1" noChangeAspect="1"/>
+          </p:cNvSpPr>
+          <p:nvPr>
+            <p:ph type="sldImg"/>
+          </p:nvPr>
+        </p:nvSpPr>
+        <p:spPr/>
+      </p:sp>
+      <p:sp>
+        <p:nvSpPr>
+          <p:cNvPr id="3" name="슬라이드 노트 개체 틀 2"/>
+          <p:cNvSpPr>
+            <a:spLocks noGrp="1"/>
+          </p:cNvSpPr>
+          <p:nvPr>
+            <p:ph type="body" idx="1"/>
+          </p:nvPr>
+        </p:nvSpPr>
+        <p:spPr/>
+        <p:txBody>
+          <a:bodyPr/>
+          <a:lstStyle/>
+          <a:p>
+            <a:endParaRPr lang="ko-KR" altLang="en-US" dirty="0"/>
+          </a:p>
+        </p:txBody>
+      </p:sp>
+      <p:sp>
+        <p:nvSpPr>
+          <p:cNvPr id="4" name="슬라이드 번호 개체 틀 3"/>
+          <p:cNvSpPr>
+            <a:spLocks noGrp="1"/>
+          </p:cNvSpPr>
+          <p:nvPr>
+            <p:ph type="sldNum" sz="quarter" idx="5"/>
+          </p:nvPr>
+        </p:nvSpPr>
+        <p:spPr/>
+        <p:txBody>
+          <a:bodyPr/>
+          <a:lstStyle/>
+          <a:p>
+            <a:fld id="{145D4F75-7E5F-419D-AB03-9C193CB4F170}" type="slidenum">
+              <a:rPr lang="ko-KR" altLang="en-US" smtClean="0"/>
+              <a:t>37</a:t>
+            </a:fld>
+            <a:endParaRPr lang="ko-KR" altLang="en-US"/>
+          </a:p>
+        </p:txBody>
+      </p:sp>
+    </p:spTree>
+    <p:extLst>
+      <p:ext uri="{BB962C8B-B14F-4D97-AF65-F5344CB8AC3E}">
+        <p14:creationId xmlns:p14="http://schemas.microsoft.com/office/powerpoint/2010/main" val="1968738516"/>
       </p:ext>
     </p:extLst>
   </p:cSld>
@@ -3920,7 +4773,7 @@
           <a:p>
             <a:fld id="{2E2D5BC7-3CC9-4CF8-9043-E85E9F2EC4FF}" type="datetimeFigureOut">
               <a:rPr lang="ko-KR" altLang="en-US" smtClean="0"/>
-              <a:t>2022-11-25</a:t>
+              <a:t>2022-11-26</a:t>
             </a:fld>
             <a:endParaRPr lang="ko-KR" altLang="en-US"/>
           </a:p>
@@ -4118,7 +4971,7 @@
           <a:p>
             <a:fld id="{2E2D5BC7-3CC9-4CF8-9043-E85E9F2EC4FF}" type="datetimeFigureOut">
               <a:rPr lang="ko-KR" altLang="en-US" smtClean="0"/>
-              <a:t>2022-11-25</a:t>
+              <a:t>2022-11-26</a:t>
             </a:fld>
             <a:endParaRPr lang="ko-KR" altLang="en-US"/>
           </a:p>
@@ -4326,7 +5179,7 @@
           <a:p>
             <a:fld id="{2E2D5BC7-3CC9-4CF8-9043-E85E9F2EC4FF}" type="datetimeFigureOut">
               <a:rPr lang="ko-KR" altLang="en-US" smtClean="0"/>
-              <a:t>2022-11-25</a:t>
+              <a:t>2022-11-26</a:t>
             </a:fld>
             <a:endParaRPr lang="ko-KR" altLang="en-US"/>
           </a:p>
@@ -4524,7 +5377,7 @@
           <a:p>
             <a:fld id="{2E2D5BC7-3CC9-4CF8-9043-E85E9F2EC4FF}" type="datetimeFigureOut">
               <a:rPr lang="ko-KR" altLang="en-US" smtClean="0"/>
-              <a:t>2022-11-25</a:t>
+              <a:t>2022-11-26</a:t>
             </a:fld>
             <a:endParaRPr lang="ko-KR" altLang="en-US"/>
           </a:p>
@@ -4799,7 +5652,7 @@
           <a:p>
             <a:fld id="{2E2D5BC7-3CC9-4CF8-9043-E85E9F2EC4FF}" type="datetimeFigureOut">
               <a:rPr lang="ko-KR" altLang="en-US" smtClean="0"/>
-              <a:t>2022-11-25</a:t>
+              <a:t>2022-11-26</a:t>
             </a:fld>
             <a:endParaRPr lang="ko-KR" altLang="en-US"/>
           </a:p>
@@ -5064,7 +5917,7 @@
           <a:p>
             <a:fld id="{2E2D5BC7-3CC9-4CF8-9043-E85E9F2EC4FF}" type="datetimeFigureOut">
               <a:rPr lang="ko-KR" altLang="en-US" smtClean="0"/>
-              <a:t>2022-11-25</a:t>
+              <a:t>2022-11-26</a:t>
             </a:fld>
             <a:endParaRPr lang="ko-KR" altLang="en-US"/>
           </a:p>
@@ -5476,7 +6329,7 @@
           <a:p>
             <a:fld id="{2E2D5BC7-3CC9-4CF8-9043-E85E9F2EC4FF}" type="datetimeFigureOut">
               <a:rPr lang="ko-KR" altLang="en-US" smtClean="0"/>
-              <a:t>2022-11-25</a:t>
+              <a:t>2022-11-26</a:t>
             </a:fld>
             <a:endParaRPr lang="ko-KR" altLang="en-US"/>
           </a:p>
@@ -5617,7 +6470,7 @@
           <a:p>
             <a:fld id="{2E2D5BC7-3CC9-4CF8-9043-E85E9F2EC4FF}" type="datetimeFigureOut">
               <a:rPr lang="ko-KR" altLang="en-US" smtClean="0"/>
-              <a:t>2022-11-25</a:t>
+              <a:t>2022-11-26</a:t>
             </a:fld>
             <a:endParaRPr lang="ko-KR" altLang="en-US"/>
           </a:p>
@@ -5730,7 +6583,7 @@
           <a:p>
             <a:fld id="{2E2D5BC7-3CC9-4CF8-9043-E85E9F2EC4FF}" type="datetimeFigureOut">
               <a:rPr lang="ko-KR" altLang="en-US" smtClean="0"/>
-              <a:t>2022-11-25</a:t>
+              <a:t>2022-11-26</a:t>
             </a:fld>
             <a:endParaRPr lang="ko-KR" altLang="en-US"/>
           </a:p>
@@ -6041,7 +6894,7 @@
           <a:p>
             <a:fld id="{2E2D5BC7-3CC9-4CF8-9043-E85E9F2EC4FF}" type="datetimeFigureOut">
               <a:rPr lang="ko-KR" altLang="en-US" smtClean="0"/>
-              <a:t>2022-11-25</a:t>
+              <a:t>2022-11-26</a:t>
             </a:fld>
             <a:endParaRPr lang="ko-KR" altLang="en-US"/>
           </a:p>
@@ -6329,7 +7182,7 @@
           <a:p>
             <a:fld id="{2E2D5BC7-3CC9-4CF8-9043-E85E9F2EC4FF}" type="datetimeFigureOut">
               <a:rPr lang="ko-KR" altLang="en-US" smtClean="0"/>
-              <a:t>2022-11-25</a:t>
+              <a:t>2022-11-26</a:t>
             </a:fld>
             <a:endParaRPr lang="ko-KR" altLang="en-US"/>
           </a:p>
@@ -6570,7 +7423,7 @@
           <a:p>
             <a:fld id="{2E2D5BC7-3CC9-4CF8-9043-E85E9F2EC4FF}" type="datetimeFigureOut">
               <a:rPr lang="ko-KR" altLang="en-US" smtClean="0"/>
-              <a:t>2022-11-25</a:t>
+              <a:t>2022-11-26</a:t>
             </a:fld>
             <a:endParaRPr lang="ko-KR" altLang="en-US"/>
           </a:p>
@@ -8394,8 +9247,8 @@
         </p:nvSpPr>
         <p:spPr>
           <a:xfrm>
-            <a:off x="1795856" y="5779557"/>
-            <a:ext cx="8600432" cy="646331"/>
+            <a:off x="352355" y="5779557"/>
+            <a:ext cx="11487440" cy="646331"/>
           </a:xfrm>
           <a:prstGeom prst="rect">
             <a:avLst/>
@@ -8482,7 +9335,7 @@
             </a:r>
             <a:r>
               <a:rPr lang="ko-KR" altLang="en-US" b="1" dirty="0"/>
-              <a:t> 최신본이 아니다</a:t>
+              <a:t> 최신본도 아니고 각기 다른 이력을 가지고 있다</a:t>
             </a:r>
             <a:r>
               <a:rPr lang="en-US" altLang="ko-KR" b="1" dirty="0"/>
@@ -8926,11 +9779,11 @@
             </a:r>
             <a:r>
               <a:rPr lang="ko-KR" altLang="en-US" b="1" dirty="0" err="1"/>
-              <a:t>커밋이</a:t>
+              <a:t>커밋을</a:t>
             </a:r>
             <a:r>
               <a:rPr lang="ko-KR" altLang="en-US" b="1" dirty="0"/>
-              <a:t> 생성된다</a:t>
+              <a:t> 생성한다</a:t>
             </a:r>
             <a:r>
               <a:rPr lang="en-US" altLang="ko-KR" b="1" dirty="0"/>
@@ -10993,7 +11846,7 @@
           <p:cNvPr id="4" name="TextBox 3">
             <a:extLst>
               <a:ext uri="{FF2B5EF4-FFF2-40B4-BE49-F238E27FC236}">
-                <a16:creationId xmlns:a16="http://schemas.microsoft.com/office/drawing/2014/main" id="{0B8A8028-DD3B-7E10-8056-3225EDF81E52}"/>
+                <a16:creationId xmlns:a16="http://schemas.microsoft.com/office/drawing/2014/main" id="{253AFF4E-34A2-EBC4-9671-C2D5DEBA9D07}"/>
               </a:ext>
             </a:extLst>
           </p:cNvPr>
@@ -11002,8 +11855,8 @@
         </p:nvSpPr>
         <p:spPr>
           <a:xfrm>
-            <a:off x="167391" y="447994"/>
-            <a:ext cx="3021981" cy="830997"/>
+            <a:off x="1672554" y="3105835"/>
+            <a:ext cx="8846909" cy="646331"/>
           </a:xfrm>
           <a:prstGeom prst="rect">
             <a:avLst/>
@@ -11018,27 +11871,60 @@
           <a:p>
             <a:pPr algn="ctr"/>
             <a:r>
-              <a:rPr lang="en-US" altLang="ko-KR" sz="4800" dirty="0"/>
-              <a:t>[</a:t>
-            </a:r>
-            <a:r>
-              <a:rPr lang="ko-KR" altLang="en-US" sz="4800" dirty="0"/>
-              <a:t>참고문헌</a:t>
-            </a:r>
-            <a:r>
-              <a:rPr lang="en-US" altLang="ko-KR" sz="4800" dirty="0"/>
-              <a:t>]</a:t>
-            </a:r>
-            <a:endParaRPr lang="ko-KR" altLang="en-US" sz="4800" dirty="0"/>
-          </a:p>
-        </p:txBody>
-      </p:sp>
-      <p:sp>
-        <p:nvSpPr>
-          <p:cNvPr id="5" name="TextBox 4">
-            <a:extLst>
-              <a:ext uri="{FF2B5EF4-FFF2-40B4-BE49-F238E27FC236}">
-                <a16:creationId xmlns:a16="http://schemas.microsoft.com/office/drawing/2014/main" id="{440B3F72-C396-99D9-61BC-C4548B1E5310}"/>
+              <a:rPr lang="en-US" altLang="ko-KR" sz="3600" dirty="0" err="1"/>
+              <a:t>sourcetree</a:t>
+            </a:r>
+            <a:r>
+              <a:rPr lang="ko-KR" altLang="en-US" sz="3600" dirty="0"/>
+              <a:t>를 이용하여 </a:t>
+            </a:r>
+            <a:r>
+              <a:rPr lang="en-US" altLang="ko-KR" sz="3600" dirty="0"/>
+              <a:t>branch merge</a:t>
+            </a:r>
+            <a:r>
+              <a:rPr lang="ko-KR" altLang="en-US" sz="3600" dirty="0"/>
+              <a:t>하기</a:t>
+            </a:r>
+          </a:p>
+        </p:txBody>
+      </p:sp>
+    </p:spTree>
+    <p:extLst>
+      <p:ext uri="{BB962C8B-B14F-4D97-AF65-F5344CB8AC3E}">
+        <p14:creationId xmlns:p14="http://schemas.microsoft.com/office/powerpoint/2010/main" val="3116360257"/>
+      </p:ext>
+    </p:extLst>
+  </p:cSld>
+  <p:clrMapOvr>
+    <a:masterClrMapping/>
+  </p:clrMapOvr>
+</p:sld>
+</file>
+
+<file path=ppt/slides/slide27.xml><?xml version="1.0" encoding="utf-8"?>
+<p:sld xmlns:a="http://schemas.openxmlformats.org/drawingml/2006/main" xmlns:r="http://schemas.openxmlformats.org/officeDocument/2006/relationships" xmlns:p="http://schemas.openxmlformats.org/presentationml/2006/main">
+  <p:cSld>
+    <p:spTree>
+      <p:nvGrpSpPr>
+        <p:cNvPr id="1" name=""/>
+        <p:cNvGrpSpPr/>
+        <p:nvPr/>
+      </p:nvGrpSpPr>
+      <p:grpSpPr>
+        <a:xfrm>
+          <a:off x="0" y="0"/>
+          <a:ext cx="0" cy="0"/>
+          <a:chOff x="0" y="0"/>
+          <a:chExt cx="0" cy="0"/>
+        </a:xfrm>
+      </p:grpSpPr>
+      <p:sp>
+        <p:nvSpPr>
+          <p:cNvPr id="2" name="TextBox 1">
+            <a:extLst>
+              <a:ext uri="{FF2B5EF4-FFF2-40B4-BE49-F238E27FC236}">
+                <a16:creationId xmlns:a16="http://schemas.microsoft.com/office/drawing/2014/main" id="{2A1CB3E1-0179-A769-9EB1-1D24BD0F0746}"/>
               </a:ext>
             </a:extLst>
           </p:cNvPr>
@@ -11047,8 +11933,8 @@
         </p:nvSpPr>
         <p:spPr>
           <a:xfrm>
-            <a:off x="243444" y="1704109"/>
-            <a:ext cx="7933197" cy="369332"/>
+            <a:off x="4985780" y="270561"/>
+            <a:ext cx="2220480" cy="584775"/>
           </a:xfrm>
           <a:prstGeom prst="rect">
             <a:avLst/>
@@ -11056,77 +11942,24 @@
           <a:noFill/>
         </p:spPr>
         <p:txBody>
-          <a:bodyPr wrap="none" rtlCol="0">
+          <a:bodyPr wrap="none" rtlCol="0" anchor="ctr">
             <a:spAutoFit/>
           </a:bodyPr>
           <a:lstStyle/>
           <a:p>
-            <a:r>
-              <a:rPr lang="en-US" altLang="ko-KR" b="0" i="0" dirty="0">
-                <a:solidFill>
-                  <a:srgbClr val="222222"/>
-                </a:solidFill>
-                <a:effectLst/>
-                <a:latin typeface="Noto Sans Medium"/>
-              </a:rPr>
-              <a:t>“</a:t>
-            </a:r>
-            <a:r>
-              <a:rPr lang="ko-KR" altLang="en-US" b="0" i="0" dirty="0" err="1">
-                <a:solidFill>
-                  <a:srgbClr val="000C34"/>
-                </a:solidFill>
-                <a:effectLst/>
-                <a:latin typeface="roboto-medium"/>
-              </a:rPr>
-              <a:t>브랜치</a:t>
-            </a:r>
-            <a:r>
-              <a:rPr lang="ko-KR" altLang="en-US" b="0" i="0" dirty="0">
-                <a:solidFill>
-                  <a:srgbClr val="000C34"/>
-                </a:solidFill>
-                <a:effectLst/>
-                <a:latin typeface="roboto-medium"/>
-              </a:rPr>
-              <a:t> 통합하기</a:t>
-            </a:r>
-            <a:r>
-              <a:rPr lang="en-US" altLang="ko-KR" b="0" i="0" dirty="0">
-                <a:solidFill>
-                  <a:srgbClr val="222222"/>
-                </a:solidFill>
-                <a:effectLst/>
-                <a:latin typeface="Noto Sans Medium"/>
-              </a:rPr>
-              <a:t>”,</a:t>
-            </a:r>
-            <a:r>
-              <a:rPr lang="en-US" altLang="ko-KR" dirty="0">
-                <a:solidFill>
-                  <a:srgbClr val="222222"/>
-                </a:solidFill>
-                <a:latin typeface="Noto Sans Medium"/>
-              </a:rPr>
-              <a:t> </a:t>
-            </a:r>
-            <a:r>
-              <a:rPr lang="en-US" altLang="ko-KR" b="0" i="0" dirty="0">
-                <a:solidFill>
-                  <a:srgbClr val="222222"/>
-                </a:solidFill>
-                <a:effectLst/>
-                <a:latin typeface="Noto Sans Medium"/>
-              </a:rPr>
-              <a:t>&lt;https://backlog.com/git-tutorial/kr/stepup/stepup1_4.html&gt;.</a:t>
-            </a:r>
-            <a:endParaRPr lang="ko-KR" altLang="en-US" b="0" i="0" dirty="0">
-              <a:solidFill>
-                <a:srgbClr val="222222"/>
-              </a:solidFill>
-              <a:effectLst/>
-              <a:latin typeface="Noto Sans Medium"/>
-            </a:endParaRPr>
+            <a:pPr algn="ctr"/>
+            <a:r>
+              <a:rPr lang="en-US" altLang="ko-KR" sz="3200" dirty="0"/>
+              <a:t>[</a:t>
+            </a:r>
+            <a:r>
+              <a:rPr lang="ko-KR" altLang="en-US" sz="3200" dirty="0"/>
+              <a:t>현재 상태</a:t>
+            </a:r>
+            <a:r>
+              <a:rPr lang="en-US" altLang="ko-KR" sz="3200" dirty="0"/>
+              <a:t>]</a:t>
+            </a:r>
           </a:p>
         </p:txBody>
       </p:sp>
@@ -11135,7 +11968,7 @@
           <p:cNvPr id="3" name="TextBox 2">
             <a:extLst>
               <a:ext uri="{FF2B5EF4-FFF2-40B4-BE49-F238E27FC236}">
-                <a16:creationId xmlns:a16="http://schemas.microsoft.com/office/drawing/2014/main" id="{F8738AFC-4E7F-FF65-00CB-D5692C1D9EC3}"/>
+                <a16:creationId xmlns:a16="http://schemas.microsoft.com/office/drawing/2014/main" id="{841DFECC-59B1-0A3C-DC94-B4AD9BB1FC75}"/>
               </a:ext>
             </a:extLst>
           </p:cNvPr>
@@ -11144,8 +11977,8 @@
         </p:nvSpPr>
         <p:spPr>
           <a:xfrm>
-            <a:off x="243444" y="2498559"/>
-            <a:ext cx="5184561" cy="369332"/>
+            <a:off x="2172659" y="5779557"/>
+            <a:ext cx="7846892" cy="646331"/>
           </a:xfrm>
           <a:prstGeom prst="rect">
             <a:avLst/>
@@ -11158,74 +11991,530 @@
           </a:bodyPr>
           <a:lstStyle/>
           <a:p>
-            <a:r>
-              <a:rPr lang="en-US" altLang="ko-KR" dirty="0">
-                <a:solidFill>
-                  <a:srgbClr val="222222"/>
-                </a:solidFill>
-                <a:latin typeface="Noto Sans Medium"/>
-              </a:rPr>
-              <a:t>“</a:t>
-            </a:r>
-            <a:r>
-              <a:rPr lang="ko-KR" altLang="en-US" dirty="0">
-                <a:solidFill>
-                  <a:srgbClr val="222222"/>
-                </a:solidFill>
-                <a:latin typeface="Noto Sans Medium"/>
-              </a:rPr>
-              <a:t>팀 개발을 위한 </a:t>
-            </a:r>
-            <a:r>
-              <a:rPr lang="en-US" altLang="ko-KR" dirty="0">
-                <a:solidFill>
-                  <a:srgbClr val="222222"/>
-                </a:solidFill>
-                <a:latin typeface="Noto Sans Medium"/>
-              </a:rPr>
-              <a:t>Git GitHub </a:t>
-            </a:r>
-            <a:r>
-              <a:rPr lang="ko-KR" altLang="en-US" dirty="0">
-                <a:solidFill>
-                  <a:srgbClr val="222222"/>
-                </a:solidFill>
-                <a:latin typeface="Noto Sans Medium"/>
-              </a:rPr>
-              <a:t>시작하기</a:t>
-            </a:r>
-            <a:r>
-              <a:rPr lang="en-US" altLang="ko-KR" dirty="0">
-                <a:solidFill>
-                  <a:srgbClr val="222222"/>
-                </a:solidFill>
-                <a:latin typeface="Noto Sans Medium"/>
-              </a:rPr>
-              <a:t> ”, </a:t>
-            </a:r>
-            <a:r>
-              <a:rPr lang="ko-KR" altLang="en-US" dirty="0" err="1">
-                <a:solidFill>
-                  <a:srgbClr val="222222"/>
-                </a:solidFill>
-                <a:latin typeface="Noto Sans Medium"/>
-              </a:rPr>
-              <a:t>한빛미디어</a:t>
-            </a:r>
-            <a:endParaRPr lang="ko-KR" altLang="en-US" b="0" i="0" dirty="0">
-              <a:solidFill>
-                <a:srgbClr val="222222"/>
-              </a:solidFill>
-              <a:effectLst/>
-              <a:latin typeface="Noto Sans Medium"/>
-            </a:endParaRPr>
-          </a:p>
-        </p:txBody>
-      </p:sp>
+            <a:pPr algn="ctr"/>
+            <a:r>
+              <a:rPr lang="en-US" altLang="ko-KR" dirty="0" err="1"/>
+              <a:t>nsh</a:t>
+            </a:r>
+            <a:r>
+              <a:rPr lang="en-US" altLang="ko-KR" dirty="0"/>
+              <a:t>-merge </a:t>
+            </a:r>
+            <a:r>
+              <a:rPr lang="ko-KR" altLang="en-US" dirty="0" err="1"/>
+              <a:t>브랜치에</a:t>
+            </a:r>
+            <a:r>
+              <a:rPr lang="ko-KR" altLang="en-US" dirty="0"/>
+              <a:t> </a:t>
+            </a:r>
+            <a:r>
+              <a:rPr lang="en-US" altLang="ko-KR" dirty="0"/>
+              <a:t>main </a:t>
+            </a:r>
+            <a:r>
+              <a:rPr lang="ko-KR" altLang="en-US" dirty="0" err="1"/>
+              <a:t>브랜치를</a:t>
+            </a:r>
+            <a:r>
+              <a:rPr lang="ko-KR" altLang="en-US" dirty="0"/>
+              <a:t> </a:t>
+            </a:r>
+            <a:r>
+              <a:rPr lang="en-US" altLang="ko-KR" dirty="0"/>
+              <a:t>merge</a:t>
+            </a:r>
+            <a:r>
+              <a:rPr lang="ko-KR" altLang="en-US" dirty="0"/>
+              <a:t>하고 싶다</a:t>
+            </a:r>
+            <a:r>
+              <a:rPr lang="en-US" altLang="ko-KR" dirty="0"/>
+              <a:t>.</a:t>
+            </a:r>
+          </a:p>
+          <a:p>
+            <a:pPr algn="ctr"/>
+            <a:r>
+              <a:rPr lang="en-US" altLang="ko-KR" dirty="0" err="1"/>
+              <a:t>nsh</a:t>
+            </a:r>
+            <a:r>
+              <a:rPr lang="en-US" altLang="ko-KR" dirty="0"/>
+              <a:t>-merge </a:t>
+            </a:r>
+            <a:r>
+              <a:rPr lang="ko-KR" altLang="en-US" dirty="0" err="1"/>
+              <a:t>브랜치의</a:t>
+            </a:r>
+            <a:r>
+              <a:rPr lang="ko-KR" altLang="en-US" dirty="0"/>
+              <a:t> 상태는 이미 </a:t>
+            </a:r>
+            <a:r>
+              <a:rPr lang="en-US" altLang="ko-KR" dirty="0"/>
+              <a:t>main</a:t>
+            </a:r>
+            <a:r>
+              <a:rPr lang="ko-KR" altLang="en-US" dirty="0"/>
+              <a:t>에 </a:t>
+            </a:r>
+            <a:r>
+              <a:rPr lang="en-US" altLang="ko-KR" dirty="0"/>
+              <a:t>merge</a:t>
+            </a:r>
+            <a:r>
+              <a:rPr lang="ko-KR" altLang="en-US" dirty="0"/>
+              <a:t>가 된 이력을 가지고 있다</a:t>
+            </a:r>
+            <a:r>
+              <a:rPr lang="en-US" altLang="ko-KR" dirty="0"/>
+              <a:t>.</a:t>
+            </a:r>
+          </a:p>
+        </p:txBody>
+      </p:sp>
+      <p:pic>
+        <p:nvPicPr>
+          <p:cNvPr id="8" name="그림 7">
+            <a:extLst>
+              <a:ext uri="{FF2B5EF4-FFF2-40B4-BE49-F238E27FC236}">
+                <a16:creationId xmlns:a16="http://schemas.microsoft.com/office/drawing/2014/main" id="{5EB2252D-0161-D1AF-2273-F521A595BDCD}"/>
+              </a:ext>
+            </a:extLst>
+          </p:cNvPr>
+          <p:cNvPicPr>
+            <a:picLocks noChangeAspect="1"/>
+          </p:cNvPicPr>
+          <p:nvPr/>
+        </p:nvPicPr>
+        <p:blipFill>
+          <a:blip r:embed="rId3"/>
+          <a:stretch>
+            <a:fillRect/>
+          </a:stretch>
+        </p:blipFill>
+        <p:spPr>
+          <a:xfrm>
+            <a:off x="3131824" y="988660"/>
+            <a:ext cx="5928352" cy="4427674"/>
+          </a:xfrm>
+          <a:prstGeom prst="rect">
+            <a:avLst/>
+          </a:prstGeom>
+        </p:spPr>
+      </p:pic>
     </p:spTree>
     <p:extLst>
       <p:ext uri="{BB962C8B-B14F-4D97-AF65-F5344CB8AC3E}">
-        <p14:creationId xmlns:p14="http://schemas.microsoft.com/office/powerpoint/2010/main" val="374911859"/>
+        <p14:creationId xmlns:p14="http://schemas.microsoft.com/office/powerpoint/2010/main" val="4073310929"/>
+      </p:ext>
+    </p:extLst>
+  </p:cSld>
+  <p:clrMapOvr>
+    <a:masterClrMapping/>
+  </p:clrMapOvr>
+</p:sld>
+</file>
+
+<file path=ppt/slides/slide28.xml><?xml version="1.0" encoding="utf-8"?>
+<p:sld xmlns:a="http://schemas.openxmlformats.org/drawingml/2006/main" xmlns:r="http://schemas.openxmlformats.org/officeDocument/2006/relationships" xmlns:p="http://schemas.openxmlformats.org/presentationml/2006/main">
+  <p:cSld>
+    <p:spTree>
+      <p:nvGrpSpPr>
+        <p:cNvPr id="1" name=""/>
+        <p:cNvGrpSpPr/>
+        <p:nvPr/>
+      </p:nvGrpSpPr>
+      <p:grpSpPr>
+        <a:xfrm>
+          <a:off x="0" y="0"/>
+          <a:ext cx="0" cy="0"/>
+          <a:chOff x="0" y="0"/>
+          <a:chExt cx="0" cy="0"/>
+        </a:xfrm>
+      </p:grpSpPr>
+      <p:sp>
+        <p:nvSpPr>
+          <p:cNvPr id="2" name="TextBox 1">
+            <a:extLst>
+              <a:ext uri="{FF2B5EF4-FFF2-40B4-BE49-F238E27FC236}">
+                <a16:creationId xmlns:a16="http://schemas.microsoft.com/office/drawing/2014/main" id="{2A1CB3E1-0179-A769-9EB1-1D24BD0F0746}"/>
+              </a:ext>
+            </a:extLst>
+          </p:cNvPr>
+          <p:cNvSpPr txBox="1"/>
+          <p:nvPr/>
+        </p:nvSpPr>
+        <p:spPr>
+          <a:xfrm>
+            <a:off x="5210296" y="270561"/>
+            <a:ext cx="1771447" cy="584775"/>
+          </a:xfrm>
+          <a:prstGeom prst="rect">
+            <a:avLst/>
+          </a:prstGeom>
+          <a:noFill/>
+        </p:spPr>
+        <p:txBody>
+          <a:bodyPr wrap="none" rtlCol="0" anchor="ctr">
+            <a:spAutoFit/>
+          </a:bodyPr>
+          <a:lstStyle/>
+          <a:p>
+            <a:pPr algn="ctr"/>
+            <a:r>
+              <a:rPr lang="en-US" altLang="ko-KR" sz="3200" dirty="0"/>
+              <a:t>[step</a:t>
+            </a:r>
+            <a:r>
+              <a:rPr lang="ko-KR" altLang="en-US" sz="3200" dirty="0"/>
+              <a:t> ①</a:t>
+            </a:r>
+            <a:r>
+              <a:rPr lang="en-US" altLang="ko-KR" sz="3200" dirty="0"/>
+              <a:t>]</a:t>
+            </a:r>
+          </a:p>
+        </p:txBody>
+      </p:sp>
+      <p:sp>
+        <p:nvSpPr>
+          <p:cNvPr id="3" name="TextBox 2">
+            <a:extLst>
+              <a:ext uri="{FF2B5EF4-FFF2-40B4-BE49-F238E27FC236}">
+                <a16:creationId xmlns:a16="http://schemas.microsoft.com/office/drawing/2014/main" id="{841DFECC-59B1-0A3C-DC94-B4AD9BB1FC75}"/>
+              </a:ext>
+            </a:extLst>
+          </p:cNvPr>
+          <p:cNvSpPr txBox="1"/>
+          <p:nvPr/>
+        </p:nvSpPr>
+        <p:spPr>
+          <a:xfrm>
+            <a:off x="3132014" y="5779557"/>
+            <a:ext cx="5928161" cy="646331"/>
+          </a:xfrm>
+          <a:prstGeom prst="rect">
+            <a:avLst/>
+          </a:prstGeom>
+          <a:noFill/>
+        </p:spPr>
+        <p:txBody>
+          <a:bodyPr wrap="none" rtlCol="0">
+            <a:spAutoFit/>
+          </a:bodyPr>
+          <a:lstStyle/>
+          <a:p>
+            <a:pPr algn="ctr"/>
+            <a:r>
+              <a:rPr lang="en-US" altLang="ko-KR" dirty="0"/>
+              <a:t>main</a:t>
+            </a:r>
+            <a:r>
+              <a:rPr lang="ko-KR" altLang="en-US" dirty="0"/>
+              <a:t> </a:t>
+            </a:r>
+            <a:r>
+              <a:rPr lang="ko-KR" altLang="en-US" dirty="0" err="1"/>
+              <a:t>브랜치를</a:t>
+            </a:r>
+            <a:r>
+              <a:rPr lang="ko-KR" altLang="en-US" dirty="0"/>
+              <a:t> </a:t>
+            </a:r>
+            <a:r>
+              <a:rPr lang="en-US" altLang="ko-KR" dirty="0" err="1"/>
+              <a:t>nsh</a:t>
+            </a:r>
+            <a:r>
+              <a:rPr lang="en-US" altLang="ko-KR" dirty="0"/>
+              <a:t>-merge </a:t>
+            </a:r>
+            <a:r>
+              <a:rPr lang="ko-KR" altLang="en-US" dirty="0" err="1"/>
+              <a:t>브랜치로</a:t>
+            </a:r>
+            <a:r>
+              <a:rPr lang="ko-KR" altLang="en-US" dirty="0"/>
+              <a:t> 병합할 예정이므로</a:t>
+            </a:r>
+            <a:endParaRPr lang="en-US" altLang="ko-KR" dirty="0"/>
+          </a:p>
+          <a:p>
+            <a:pPr algn="ctr"/>
+            <a:r>
+              <a:rPr lang="en-US" altLang="ko-KR" dirty="0" err="1"/>
+              <a:t>nsh</a:t>
+            </a:r>
+            <a:r>
+              <a:rPr lang="en-US" altLang="ko-KR" dirty="0"/>
+              <a:t>-merge </a:t>
+            </a:r>
+            <a:r>
+              <a:rPr lang="ko-KR" altLang="en-US" dirty="0" err="1"/>
+              <a:t>브랜치로</a:t>
+            </a:r>
+            <a:r>
+              <a:rPr lang="ko-KR" altLang="en-US" dirty="0"/>
+              <a:t> </a:t>
+            </a:r>
+            <a:r>
+              <a:rPr lang="en-US" altLang="ko-KR" dirty="0"/>
+              <a:t>checkout</a:t>
+            </a:r>
+            <a:r>
+              <a:rPr lang="ko-KR" altLang="en-US" dirty="0"/>
+              <a:t>한다</a:t>
+            </a:r>
+            <a:r>
+              <a:rPr lang="en-US" altLang="ko-KR" dirty="0"/>
+              <a:t>.</a:t>
+            </a:r>
+          </a:p>
+        </p:txBody>
+      </p:sp>
+      <p:pic>
+        <p:nvPicPr>
+          <p:cNvPr id="5" name="그림 4">
+            <a:extLst>
+              <a:ext uri="{FF2B5EF4-FFF2-40B4-BE49-F238E27FC236}">
+                <a16:creationId xmlns:a16="http://schemas.microsoft.com/office/drawing/2014/main" id="{1D2BE6A1-AC60-49CB-A371-BAF3B3D11DD7}"/>
+              </a:ext>
+            </a:extLst>
+          </p:cNvPr>
+          <p:cNvPicPr>
+            <a:picLocks noChangeAspect="1"/>
+          </p:cNvPicPr>
+          <p:nvPr/>
+        </p:nvPicPr>
+        <p:blipFill>
+          <a:blip r:embed="rId3"/>
+          <a:stretch>
+            <a:fillRect/>
+          </a:stretch>
+        </p:blipFill>
+        <p:spPr>
+          <a:xfrm>
+            <a:off x="2807227" y="1302231"/>
+            <a:ext cx="6577546" cy="4030430"/>
+          </a:xfrm>
+          <a:prstGeom prst="rect">
+            <a:avLst/>
+          </a:prstGeom>
+        </p:spPr>
+      </p:pic>
+    </p:spTree>
+    <p:extLst>
+      <p:ext uri="{BB962C8B-B14F-4D97-AF65-F5344CB8AC3E}">
+        <p14:creationId xmlns:p14="http://schemas.microsoft.com/office/powerpoint/2010/main" val="4050793452"/>
+      </p:ext>
+    </p:extLst>
+  </p:cSld>
+  <p:clrMapOvr>
+    <a:masterClrMapping/>
+  </p:clrMapOvr>
+</p:sld>
+</file>
+
+<file path=ppt/slides/slide29.xml><?xml version="1.0" encoding="utf-8"?>
+<p:sld xmlns:a="http://schemas.openxmlformats.org/drawingml/2006/main" xmlns:r="http://schemas.openxmlformats.org/officeDocument/2006/relationships" xmlns:p="http://schemas.openxmlformats.org/presentationml/2006/main">
+  <p:cSld>
+    <p:spTree>
+      <p:nvGrpSpPr>
+        <p:cNvPr id="1" name=""/>
+        <p:cNvGrpSpPr/>
+        <p:nvPr/>
+      </p:nvGrpSpPr>
+      <p:grpSpPr>
+        <a:xfrm>
+          <a:off x="0" y="0"/>
+          <a:ext cx="0" cy="0"/>
+          <a:chOff x="0" y="0"/>
+          <a:chExt cx="0" cy="0"/>
+        </a:xfrm>
+      </p:grpSpPr>
+      <p:sp>
+        <p:nvSpPr>
+          <p:cNvPr id="2" name="TextBox 1">
+            <a:extLst>
+              <a:ext uri="{FF2B5EF4-FFF2-40B4-BE49-F238E27FC236}">
+                <a16:creationId xmlns:a16="http://schemas.microsoft.com/office/drawing/2014/main" id="{2A1CB3E1-0179-A769-9EB1-1D24BD0F0746}"/>
+              </a:ext>
+            </a:extLst>
+          </p:cNvPr>
+          <p:cNvSpPr txBox="1"/>
+          <p:nvPr/>
+        </p:nvSpPr>
+        <p:spPr>
+          <a:xfrm>
+            <a:off x="5210297" y="270561"/>
+            <a:ext cx="1771446" cy="584775"/>
+          </a:xfrm>
+          <a:prstGeom prst="rect">
+            <a:avLst/>
+          </a:prstGeom>
+          <a:noFill/>
+        </p:spPr>
+        <p:txBody>
+          <a:bodyPr wrap="none" rtlCol="0" anchor="ctr">
+            <a:spAutoFit/>
+          </a:bodyPr>
+          <a:lstStyle/>
+          <a:p>
+            <a:pPr algn="ctr"/>
+            <a:r>
+              <a:rPr lang="en-US" altLang="ko-KR" sz="3200" dirty="0"/>
+              <a:t>[step</a:t>
+            </a:r>
+            <a:r>
+              <a:rPr lang="ko-KR" altLang="en-US" sz="3200" dirty="0"/>
+              <a:t> ②</a:t>
+            </a:r>
+            <a:r>
+              <a:rPr lang="en-US" altLang="ko-KR" sz="3200" dirty="0"/>
+              <a:t>]</a:t>
+            </a:r>
+          </a:p>
+        </p:txBody>
+      </p:sp>
+      <p:sp>
+        <p:nvSpPr>
+          <p:cNvPr id="3" name="TextBox 2">
+            <a:extLst>
+              <a:ext uri="{FF2B5EF4-FFF2-40B4-BE49-F238E27FC236}">
+                <a16:creationId xmlns:a16="http://schemas.microsoft.com/office/drawing/2014/main" id="{841DFECC-59B1-0A3C-DC94-B4AD9BB1FC75}"/>
+              </a:ext>
+            </a:extLst>
+          </p:cNvPr>
+          <p:cNvSpPr txBox="1"/>
+          <p:nvPr/>
+        </p:nvSpPr>
+        <p:spPr>
+          <a:xfrm>
+            <a:off x="2665504" y="5779557"/>
+            <a:ext cx="6861174" cy="646331"/>
+          </a:xfrm>
+          <a:prstGeom prst="rect">
+            <a:avLst/>
+          </a:prstGeom>
+          <a:noFill/>
+        </p:spPr>
+        <p:txBody>
+          <a:bodyPr wrap="none" rtlCol="0">
+            <a:spAutoFit/>
+          </a:bodyPr>
+          <a:lstStyle/>
+          <a:p>
+            <a:pPr algn="ctr"/>
+            <a:r>
+              <a:rPr lang="ko-KR" altLang="en-US" dirty="0"/>
+              <a:t>병합할 </a:t>
+            </a:r>
+            <a:r>
+              <a:rPr lang="en-US" altLang="ko-KR" dirty="0"/>
+              <a:t>main </a:t>
+            </a:r>
+            <a:r>
+              <a:rPr lang="ko-KR" altLang="en-US" dirty="0" err="1"/>
+              <a:t>브랜치에서</a:t>
+            </a:r>
+            <a:r>
+              <a:rPr lang="ko-KR" altLang="en-US" dirty="0"/>
+              <a:t> 마우스 </a:t>
+            </a:r>
+            <a:r>
+              <a:rPr lang="ko-KR" altLang="en-US" dirty="0" err="1"/>
+              <a:t>우클릭을</a:t>
+            </a:r>
+            <a:r>
+              <a:rPr lang="ko-KR" altLang="en-US" dirty="0"/>
+              <a:t> 하면 메뉴가 나타난다</a:t>
+            </a:r>
+            <a:r>
+              <a:rPr lang="en-US" altLang="ko-KR" dirty="0"/>
+              <a:t>.</a:t>
+            </a:r>
+          </a:p>
+          <a:p>
+            <a:pPr algn="ctr"/>
+            <a:r>
+              <a:rPr lang="ko-KR" altLang="en-US" dirty="0"/>
+              <a:t>여기서 </a:t>
+            </a:r>
+            <a:r>
+              <a:rPr lang="en-US" altLang="ko-KR" dirty="0"/>
+              <a:t>“</a:t>
+            </a:r>
+            <a:r>
+              <a:rPr lang="ko-KR" altLang="en-US" dirty="0"/>
+              <a:t>해당 </a:t>
+            </a:r>
+            <a:r>
+              <a:rPr lang="ko-KR" altLang="en-US" dirty="0" err="1"/>
+              <a:t>브랜치로</a:t>
+            </a:r>
+            <a:r>
+              <a:rPr lang="ko-KR" altLang="en-US" dirty="0"/>
+              <a:t> </a:t>
+            </a:r>
+            <a:r>
+              <a:rPr lang="en-US" altLang="ko-KR" dirty="0"/>
+              <a:t>main </a:t>
+            </a:r>
+            <a:r>
+              <a:rPr lang="ko-KR" altLang="en-US" dirty="0"/>
+              <a:t>병합</a:t>
+            </a:r>
+            <a:r>
+              <a:rPr lang="en-US" altLang="ko-KR" dirty="0"/>
+              <a:t>”</a:t>
+            </a:r>
+            <a:r>
+              <a:rPr lang="ko-KR" altLang="en-US" dirty="0"/>
+              <a:t>을 선택한다</a:t>
+            </a:r>
+            <a:r>
+              <a:rPr lang="en-US" altLang="ko-KR" dirty="0"/>
+              <a:t>.</a:t>
+            </a:r>
+          </a:p>
+        </p:txBody>
+      </p:sp>
+      <p:pic>
+        <p:nvPicPr>
+          <p:cNvPr id="7" name="그림 6">
+            <a:extLst>
+              <a:ext uri="{FF2B5EF4-FFF2-40B4-BE49-F238E27FC236}">
+                <a16:creationId xmlns:a16="http://schemas.microsoft.com/office/drawing/2014/main" id="{4281526A-CD96-B420-110A-8884C92CF790}"/>
+              </a:ext>
+            </a:extLst>
+          </p:cNvPr>
+          <p:cNvPicPr>
+            <a:picLocks noChangeAspect="1"/>
+          </p:cNvPicPr>
+          <p:nvPr/>
+        </p:nvPicPr>
+        <p:blipFill>
+          <a:blip r:embed="rId3"/>
+          <a:stretch>
+            <a:fillRect/>
+          </a:stretch>
+        </p:blipFill>
+        <p:spPr>
+          <a:xfrm>
+            <a:off x="2787804" y="988541"/>
+            <a:ext cx="6616392" cy="4534930"/>
+          </a:xfrm>
+          <a:prstGeom prst="rect">
+            <a:avLst/>
+          </a:prstGeom>
+        </p:spPr>
+      </p:pic>
+    </p:spTree>
+    <p:extLst>
+      <p:ext uri="{BB962C8B-B14F-4D97-AF65-F5344CB8AC3E}">
+        <p14:creationId xmlns:p14="http://schemas.microsoft.com/office/powerpoint/2010/main" val="409161098"/>
       </p:ext>
     </p:extLst>
   </p:cSld>
@@ -12043,6 +13332,2032 @@
     <p:extLst>
       <p:ext uri="{BB962C8B-B14F-4D97-AF65-F5344CB8AC3E}">
         <p14:creationId xmlns:p14="http://schemas.microsoft.com/office/powerpoint/2010/main" val="2530353558"/>
+      </p:ext>
+    </p:extLst>
+  </p:cSld>
+  <p:clrMapOvr>
+    <a:masterClrMapping/>
+  </p:clrMapOvr>
+</p:sld>
+</file>
+
+<file path=ppt/slides/slide30.xml><?xml version="1.0" encoding="utf-8"?>
+<p:sld xmlns:a="http://schemas.openxmlformats.org/drawingml/2006/main" xmlns:r="http://schemas.openxmlformats.org/officeDocument/2006/relationships" xmlns:p="http://schemas.openxmlformats.org/presentationml/2006/main">
+  <p:cSld>
+    <p:spTree>
+      <p:nvGrpSpPr>
+        <p:cNvPr id="1" name=""/>
+        <p:cNvGrpSpPr/>
+        <p:nvPr/>
+      </p:nvGrpSpPr>
+      <p:grpSpPr>
+        <a:xfrm>
+          <a:off x="0" y="0"/>
+          <a:ext cx="0" cy="0"/>
+          <a:chOff x="0" y="0"/>
+          <a:chExt cx="0" cy="0"/>
+        </a:xfrm>
+      </p:grpSpPr>
+      <p:sp>
+        <p:nvSpPr>
+          <p:cNvPr id="2" name="TextBox 1">
+            <a:extLst>
+              <a:ext uri="{FF2B5EF4-FFF2-40B4-BE49-F238E27FC236}">
+                <a16:creationId xmlns:a16="http://schemas.microsoft.com/office/drawing/2014/main" id="{2A1CB3E1-0179-A769-9EB1-1D24BD0F0746}"/>
+              </a:ext>
+            </a:extLst>
+          </p:cNvPr>
+          <p:cNvSpPr txBox="1"/>
+          <p:nvPr/>
+        </p:nvSpPr>
+        <p:spPr>
+          <a:xfrm>
+            <a:off x="5210296" y="270561"/>
+            <a:ext cx="1771447" cy="584775"/>
+          </a:xfrm>
+          <a:prstGeom prst="rect">
+            <a:avLst/>
+          </a:prstGeom>
+          <a:noFill/>
+        </p:spPr>
+        <p:txBody>
+          <a:bodyPr wrap="none" rtlCol="0" anchor="ctr">
+            <a:spAutoFit/>
+          </a:bodyPr>
+          <a:lstStyle/>
+          <a:p>
+            <a:pPr algn="ctr"/>
+            <a:r>
+              <a:rPr lang="en-US" altLang="ko-KR" sz="3200" dirty="0"/>
+              <a:t>[step</a:t>
+            </a:r>
+            <a:r>
+              <a:rPr lang="ko-KR" altLang="en-US" sz="3200" dirty="0"/>
+              <a:t> </a:t>
+            </a:r>
+            <a:r>
+              <a:rPr lang="ko-KR" altLang="en-US" sz="3200" dirty="0">
+                <a:latin typeface="맑은 고딕" panose="020B0503020000020004" pitchFamily="50" charset="-127"/>
+                <a:ea typeface="맑은 고딕" panose="020B0503020000020004" pitchFamily="50" charset="-127"/>
+              </a:rPr>
+              <a:t>③</a:t>
+            </a:r>
+            <a:r>
+              <a:rPr lang="en-US" altLang="ko-KR" sz="3200" dirty="0"/>
+              <a:t>]</a:t>
+            </a:r>
+          </a:p>
+        </p:txBody>
+      </p:sp>
+      <p:sp>
+        <p:nvSpPr>
+          <p:cNvPr id="3" name="TextBox 2">
+            <a:extLst>
+              <a:ext uri="{FF2B5EF4-FFF2-40B4-BE49-F238E27FC236}">
+                <a16:creationId xmlns:a16="http://schemas.microsoft.com/office/drawing/2014/main" id="{841DFECC-59B1-0A3C-DC94-B4AD9BB1FC75}"/>
+              </a:ext>
+            </a:extLst>
+          </p:cNvPr>
+          <p:cNvSpPr txBox="1"/>
+          <p:nvPr/>
+        </p:nvSpPr>
+        <p:spPr>
+          <a:xfrm>
+            <a:off x="868033" y="5439824"/>
+            <a:ext cx="10456132" cy="1200329"/>
+          </a:xfrm>
+          <a:prstGeom prst="rect">
+            <a:avLst/>
+          </a:prstGeom>
+          <a:noFill/>
+        </p:spPr>
+        <p:txBody>
+          <a:bodyPr wrap="none" rtlCol="0">
+            <a:spAutoFit/>
+          </a:bodyPr>
+          <a:lstStyle/>
+          <a:p>
+            <a:pPr algn="ctr"/>
+            <a:r>
+              <a:rPr lang="ko-KR" altLang="en-US" dirty="0"/>
+              <a:t>해당 </a:t>
+            </a:r>
+            <a:r>
+              <a:rPr lang="ko-KR" altLang="en-US" dirty="0" err="1"/>
+              <a:t>브랜치를</a:t>
+            </a:r>
+            <a:r>
+              <a:rPr lang="ko-KR" altLang="en-US" dirty="0"/>
+              <a:t> 병합할 것인지 묻는 팝업 창이 뜬다</a:t>
+            </a:r>
+            <a:r>
+              <a:rPr lang="en-US" altLang="ko-KR" dirty="0"/>
+              <a:t>.</a:t>
+            </a:r>
+          </a:p>
+          <a:p>
+            <a:pPr algn="ctr"/>
+            <a:endParaRPr lang="en-US" altLang="ko-KR" dirty="0"/>
+          </a:p>
+          <a:p>
+            <a:pPr algn="ctr"/>
+            <a:r>
+              <a:rPr lang="ko-KR" altLang="en-US" dirty="0"/>
+              <a:t>이 때 </a:t>
+            </a:r>
+            <a:r>
+              <a:rPr lang="en-US" altLang="ko-KR" dirty="0"/>
+              <a:t>“fast-forward</a:t>
+            </a:r>
+            <a:r>
+              <a:rPr lang="ko-KR" altLang="en-US" dirty="0"/>
+              <a:t>가 가능해도 새 </a:t>
+            </a:r>
+            <a:r>
+              <a:rPr lang="ko-KR" altLang="en-US" dirty="0" err="1"/>
+              <a:t>커밋으로</a:t>
+            </a:r>
+            <a:r>
+              <a:rPr lang="ko-KR" altLang="en-US" dirty="0"/>
+              <a:t> 생성</a:t>
+            </a:r>
+            <a:r>
+              <a:rPr lang="en-US" altLang="ko-KR" dirty="0"/>
+              <a:t>” </a:t>
+            </a:r>
+            <a:r>
+              <a:rPr lang="ko-KR" altLang="en-US" dirty="0"/>
+              <a:t>옵션을 선택하면 빨리 감기 병합이 가능하더라도</a:t>
+            </a:r>
+            <a:endParaRPr lang="en-US" altLang="ko-KR" dirty="0"/>
+          </a:p>
+          <a:p>
+            <a:pPr algn="ctr"/>
+            <a:r>
+              <a:rPr lang="ko-KR" altLang="en-US" dirty="0"/>
+              <a:t>명시적으로 병합 </a:t>
+            </a:r>
+            <a:r>
+              <a:rPr lang="ko-KR" altLang="en-US" dirty="0" err="1"/>
+              <a:t>커밋을</a:t>
+            </a:r>
+            <a:r>
+              <a:rPr lang="ko-KR" altLang="en-US" dirty="0"/>
+              <a:t> 만든다</a:t>
+            </a:r>
+            <a:r>
+              <a:rPr lang="en-US" altLang="ko-KR" dirty="0"/>
+              <a:t>. </a:t>
+            </a:r>
+            <a:r>
+              <a:rPr lang="ko-KR" altLang="en-US" dirty="0" err="1"/>
+              <a:t>브랜치</a:t>
+            </a:r>
+            <a:r>
+              <a:rPr lang="ko-KR" altLang="en-US" dirty="0"/>
+              <a:t> 병합 기록이 명시적으로 남길 원할 때 선택한다</a:t>
+            </a:r>
+            <a:r>
+              <a:rPr lang="en-US" altLang="ko-KR" dirty="0"/>
+              <a:t>.</a:t>
+            </a:r>
+          </a:p>
+        </p:txBody>
+      </p:sp>
+      <p:pic>
+        <p:nvPicPr>
+          <p:cNvPr id="7" name="그림 6">
+            <a:extLst>
+              <a:ext uri="{FF2B5EF4-FFF2-40B4-BE49-F238E27FC236}">
+                <a16:creationId xmlns:a16="http://schemas.microsoft.com/office/drawing/2014/main" id="{03B16942-B1AB-4C48-5CEE-D9C043FBB1FC}"/>
+              </a:ext>
+            </a:extLst>
+          </p:cNvPr>
+          <p:cNvPicPr>
+            <a:picLocks noChangeAspect="1"/>
+          </p:cNvPicPr>
+          <p:nvPr/>
+        </p:nvPicPr>
+        <p:blipFill>
+          <a:blip r:embed="rId3"/>
+          <a:stretch>
+            <a:fillRect/>
+          </a:stretch>
+        </p:blipFill>
+        <p:spPr>
+          <a:xfrm>
+            <a:off x="1515584" y="1047037"/>
+            <a:ext cx="9160832" cy="4022522"/>
+          </a:xfrm>
+          <a:prstGeom prst="rect">
+            <a:avLst/>
+          </a:prstGeom>
+        </p:spPr>
+      </p:pic>
+    </p:spTree>
+    <p:extLst>
+      <p:ext uri="{BB962C8B-B14F-4D97-AF65-F5344CB8AC3E}">
+        <p14:creationId xmlns:p14="http://schemas.microsoft.com/office/powerpoint/2010/main" val="1319766954"/>
+      </p:ext>
+    </p:extLst>
+  </p:cSld>
+  <p:clrMapOvr>
+    <a:masterClrMapping/>
+  </p:clrMapOvr>
+</p:sld>
+</file>
+
+<file path=ppt/slides/slide31.xml><?xml version="1.0" encoding="utf-8"?>
+<p:sld xmlns:a="http://schemas.openxmlformats.org/drawingml/2006/main" xmlns:r="http://schemas.openxmlformats.org/officeDocument/2006/relationships" xmlns:p="http://schemas.openxmlformats.org/presentationml/2006/main">
+  <p:cSld>
+    <p:spTree>
+      <p:nvGrpSpPr>
+        <p:cNvPr id="1" name=""/>
+        <p:cNvGrpSpPr/>
+        <p:nvPr/>
+      </p:nvGrpSpPr>
+      <p:grpSpPr>
+        <a:xfrm>
+          <a:off x="0" y="0"/>
+          <a:ext cx="0" cy="0"/>
+          <a:chOff x="0" y="0"/>
+          <a:chExt cx="0" cy="0"/>
+        </a:xfrm>
+      </p:grpSpPr>
+      <p:sp>
+        <p:nvSpPr>
+          <p:cNvPr id="2" name="TextBox 1">
+            <a:extLst>
+              <a:ext uri="{FF2B5EF4-FFF2-40B4-BE49-F238E27FC236}">
+                <a16:creationId xmlns:a16="http://schemas.microsoft.com/office/drawing/2014/main" id="{2A1CB3E1-0179-A769-9EB1-1D24BD0F0746}"/>
+              </a:ext>
+            </a:extLst>
+          </p:cNvPr>
+          <p:cNvSpPr txBox="1"/>
+          <p:nvPr/>
+        </p:nvSpPr>
+        <p:spPr>
+          <a:xfrm>
+            <a:off x="5210296" y="270561"/>
+            <a:ext cx="1771447" cy="584775"/>
+          </a:xfrm>
+          <a:prstGeom prst="rect">
+            <a:avLst/>
+          </a:prstGeom>
+          <a:noFill/>
+        </p:spPr>
+        <p:txBody>
+          <a:bodyPr wrap="none" rtlCol="0" anchor="ctr">
+            <a:spAutoFit/>
+          </a:bodyPr>
+          <a:lstStyle/>
+          <a:p>
+            <a:pPr algn="ctr"/>
+            <a:r>
+              <a:rPr lang="en-US" altLang="ko-KR" sz="3200" dirty="0"/>
+              <a:t>[step</a:t>
+            </a:r>
+            <a:r>
+              <a:rPr lang="ko-KR" altLang="en-US" sz="3200" dirty="0"/>
+              <a:t> </a:t>
+            </a:r>
+            <a:r>
+              <a:rPr lang="ko-KR" altLang="en-US" sz="3200" dirty="0">
+                <a:latin typeface="맑은 고딕" panose="020B0503020000020004" pitchFamily="50" charset="-127"/>
+                <a:ea typeface="맑은 고딕" panose="020B0503020000020004" pitchFamily="50" charset="-127"/>
+              </a:rPr>
+              <a:t>④</a:t>
+            </a:r>
+            <a:r>
+              <a:rPr lang="en-US" altLang="ko-KR" sz="3200" dirty="0"/>
+              <a:t>]</a:t>
+            </a:r>
+          </a:p>
+        </p:txBody>
+      </p:sp>
+      <p:sp>
+        <p:nvSpPr>
+          <p:cNvPr id="3" name="TextBox 2">
+            <a:extLst>
+              <a:ext uri="{FF2B5EF4-FFF2-40B4-BE49-F238E27FC236}">
+                <a16:creationId xmlns:a16="http://schemas.microsoft.com/office/drawing/2014/main" id="{841DFECC-59B1-0A3C-DC94-B4AD9BB1FC75}"/>
+              </a:ext>
+            </a:extLst>
+          </p:cNvPr>
+          <p:cNvSpPr txBox="1"/>
+          <p:nvPr/>
+        </p:nvSpPr>
+        <p:spPr>
+          <a:xfrm>
+            <a:off x="1957057" y="5779557"/>
+            <a:ext cx="8278100" cy="646331"/>
+          </a:xfrm>
+          <a:prstGeom prst="rect">
+            <a:avLst/>
+          </a:prstGeom>
+          <a:noFill/>
+        </p:spPr>
+        <p:txBody>
+          <a:bodyPr wrap="none" rtlCol="0">
+            <a:spAutoFit/>
+          </a:bodyPr>
+          <a:lstStyle/>
+          <a:p>
+            <a:pPr algn="ctr"/>
+            <a:r>
+              <a:rPr lang="en-US" altLang="ko-KR" dirty="0"/>
+              <a:t>main </a:t>
+            </a:r>
+            <a:r>
+              <a:rPr lang="ko-KR" altLang="en-US" dirty="0" err="1"/>
+              <a:t>브랜치는</a:t>
+            </a:r>
+            <a:r>
+              <a:rPr lang="ko-KR" altLang="en-US" dirty="0"/>
+              <a:t> </a:t>
+            </a:r>
+            <a:r>
+              <a:rPr lang="en-US" altLang="ko-KR" dirty="0" err="1"/>
+              <a:t>nsh</a:t>
+            </a:r>
+            <a:r>
+              <a:rPr lang="en-US" altLang="ko-KR" dirty="0"/>
+              <a:t>-merge </a:t>
+            </a:r>
+            <a:r>
+              <a:rPr lang="ko-KR" altLang="en-US" dirty="0" err="1"/>
+              <a:t>브랜치의</a:t>
+            </a:r>
+            <a:r>
+              <a:rPr lang="ko-KR" altLang="en-US" dirty="0"/>
+              <a:t> 이력을 모두 가지고 있으므로</a:t>
+            </a:r>
+            <a:endParaRPr lang="en-US" altLang="ko-KR" dirty="0"/>
+          </a:p>
+          <a:p>
+            <a:pPr algn="ctr"/>
+            <a:r>
+              <a:rPr lang="en-US" altLang="ko-KR" dirty="0" err="1"/>
+              <a:t>nsh</a:t>
+            </a:r>
+            <a:r>
+              <a:rPr lang="en-US" altLang="ko-KR" dirty="0"/>
+              <a:t>-merge</a:t>
+            </a:r>
+            <a:r>
+              <a:rPr lang="ko-KR" altLang="en-US" dirty="0" err="1"/>
+              <a:t>브랜치로</a:t>
+            </a:r>
+            <a:r>
+              <a:rPr lang="ko-KR" altLang="en-US" dirty="0"/>
+              <a:t> </a:t>
+            </a:r>
+            <a:r>
+              <a:rPr lang="en-US" altLang="ko-KR" dirty="0"/>
+              <a:t>main </a:t>
+            </a:r>
+            <a:r>
+              <a:rPr lang="ko-KR" altLang="en-US" dirty="0" err="1"/>
+              <a:t>브랜치를</a:t>
+            </a:r>
+            <a:r>
+              <a:rPr lang="ko-KR" altLang="en-US" dirty="0"/>
+              <a:t> </a:t>
+            </a:r>
+            <a:r>
+              <a:rPr lang="en-US" altLang="ko-KR" dirty="0"/>
+              <a:t>merge</a:t>
+            </a:r>
+            <a:r>
+              <a:rPr lang="ko-KR" altLang="en-US" dirty="0"/>
+              <a:t>했을 때 빨리 감기 병합이 발생한다</a:t>
+            </a:r>
+            <a:r>
+              <a:rPr lang="en-US" altLang="ko-KR" dirty="0"/>
+              <a:t>.</a:t>
+            </a:r>
+          </a:p>
+        </p:txBody>
+      </p:sp>
+      <p:pic>
+        <p:nvPicPr>
+          <p:cNvPr id="7" name="그림 6">
+            <a:extLst>
+              <a:ext uri="{FF2B5EF4-FFF2-40B4-BE49-F238E27FC236}">
+                <a16:creationId xmlns:a16="http://schemas.microsoft.com/office/drawing/2014/main" id="{413E4F11-63CB-253E-D889-3AA52E6A208C}"/>
+              </a:ext>
+            </a:extLst>
+          </p:cNvPr>
+          <p:cNvPicPr>
+            <a:picLocks noChangeAspect="1"/>
+          </p:cNvPicPr>
+          <p:nvPr/>
+        </p:nvPicPr>
+        <p:blipFill>
+          <a:blip r:embed="rId3"/>
+          <a:stretch>
+            <a:fillRect/>
+          </a:stretch>
+        </p:blipFill>
+        <p:spPr>
+          <a:xfrm>
+            <a:off x="3238857" y="1107922"/>
+            <a:ext cx="5714286" cy="4419048"/>
+          </a:xfrm>
+          <a:prstGeom prst="rect">
+            <a:avLst/>
+          </a:prstGeom>
+        </p:spPr>
+      </p:pic>
+    </p:spTree>
+    <p:extLst>
+      <p:ext uri="{BB962C8B-B14F-4D97-AF65-F5344CB8AC3E}">
+        <p14:creationId xmlns:p14="http://schemas.microsoft.com/office/powerpoint/2010/main" val="3913819684"/>
+      </p:ext>
+    </p:extLst>
+  </p:cSld>
+  <p:clrMapOvr>
+    <a:masterClrMapping/>
+  </p:clrMapOvr>
+</p:sld>
+</file>
+
+<file path=ppt/slides/slide32.xml><?xml version="1.0" encoding="utf-8"?>
+<p:sld xmlns:a="http://schemas.openxmlformats.org/drawingml/2006/main" xmlns:r="http://schemas.openxmlformats.org/officeDocument/2006/relationships" xmlns:p="http://schemas.openxmlformats.org/presentationml/2006/main">
+  <p:cSld>
+    <p:spTree>
+      <p:nvGrpSpPr>
+        <p:cNvPr id="1" name=""/>
+        <p:cNvGrpSpPr/>
+        <p:nvPr/>
+      </p:nvGrpSpPr>
+      <p:grpSpPr>
+        <a:xfrm>
+          <a:off x="0" y="0"/>
+          <a:ext cx="0" cy="0"/>
+          <a:chOff x="0" y="0"/>
+          <a:chExt cx="0" cy="0"/>
+        </a:xfrm>
+      </p:grpSpPr>
+      <p:sp>
+        <p:nvSpPr>
+          <p:cNvPr id="4" name="TextBox 3">
+            <a:extLst>
+              <a:ext uri="{FF2B5EF4-FFF2-40B4-BE49-F238E27FC236}">
+                <a16:creationId xmlns:a16="http://schemas.microsoft.com/office/drawing/2014/main" id="{253AFF4E-34A2-EBC4-9671-C2D5DEBA9D07}"/>
+              </a:ext>
+            </a:extLst>
+          </p:cNvPr>
+          <p:cNvSpPr txBox="1"/>
+          <p:nvPr/>
+        </p:nvSpPr>
+        <p:spPr>
+          <a:xfrm>
+            <a:off x="1600420" y="3105835"/>
+            <a:ext cx="8991179" cy="646331"/>
+          </a:xfrm>
+          <a:prstGeom prst="rect">
+            <a:avLst/>
+          </a:prstGeom>
+          <a:noFill/>
+        </p:spPr>
+        <p:txBody>
+          <a:bodyPr wrap="none" rtlCol="0" anchor="ctr">
+            <a:spAutoFit/>
+          </a:bodyPr>
+          <a:lstStyle/>
+          <a:p>
+            <a:pPr algn="ctr"/>
+            <a:r>
+              <a:rPr lang="en-US" altLang="ko-KR" sz="3600" dirty="0" err="1"/>
+              <a:t>sourcetree</a:t>
+            </a:r>
+            <a:r>
+              <a:rPr lang="ko-KR" altLang="en-US" sz="3600" dirty="0"/>
+              <a:t>를 이용하여 </a:t>
+            </a:r>
+            <a:r>
+              <a:rPr lang="en-US" altLang="ko-KR" sz="3600" dirty="0"/>
+              <a:t>commit merge</a:t>
+            </a:r>
+            <a:r>
+              <a:rPr lang="ko-KR" altLang="en-US" sz="3600" dirty="0"/>
+              <a:t>하기</a:t>
+            </a:r>
+          </a:p>
+        </p:txBody>
+      </p:sp>
+    </p:spTree>
+    <p:extLst>
+      <p:ext uri="{BB962C8B-B14F-4D97-AF65-F5344CB8AC3E}">
+        <p14:creationId xmlns:p14="http://schemas.microsoft.com/office/powerpoint/2010/main" val="3756270695"/>
+      </p:ext>
+    </p:extLst>
+  </p:cSld>
+  <p:clrMapOvr>
+    <a:masterClrMapping/>
+  </p:clrMapOvr>
+</p:sld>
+</file>
+
+<file path=ppt/slides/slide33.xml><?xml version="1.0" encoding="utf-8"?>
+<p:sld xmlns:a="http://schemas.openxmlformats.org/drawingml/2006/main" xmlns:r="http://schemas.openxmlformats.org/officeDocument/2006/relationships" xmlns:p="http://schemas.openxmlformats.org/presentationml/2006/main">
+  <p:cSld>
+    <p:spTree>
+      <p:nvGrpSpPr>
+        <p:cNvPr id="1" name=""/>
+        <p:cNvGrpSpPr/>
+        <p:nvPr/>
+      </p:nvGrpSpPr>
+      <p:grpSpPr>
+        <a:xfrm>
+          <a:off x="0" y="0"/>
+          <a:ext cx="0" cy="0"/>
+          <a:chOff x="0" y="0"/>
+          <a:chExt cx="0" cy="0"/>
+        </a:xfrm>
+      </p:grpSpPr>
+      <p:sp>
+        <p:nvSpPr>
+          <p:cNvPr id="2" name="TextBox 1">
+            <a:extLst>
+              <a:ext uri="{FF2B5EF4-FFF2-40B4-BE49-F238E27FC236}">
+                <a16:creationId xmlns:a16="http://schemas.microsoft.com/office/drawing/2014/main" id="{2A1CB3E1-0179-A769-9EB1-1D24BD0F0746}"/>
+              </a:ext>
+            </a:extLst>
+          </p:cNvPr>
+          <p:cNvSpPr txBox="1"/>
+          <p:nvPr/>
+        </p:nvSpPr>
+        <p:spPr>
+          <a:xfrm>
+            <a:off x="4985780" y="270561"/>
+            <a:ext cx="2220480" cy="584775"/>
+          </a:xfrm>
+          <a:prstGeom prst="rect">
+            <a:avLst/>
+          </a:prstGeom>
+          <a:noFill/>
+        </p:spPr>
+        <p:txBody>
+          <a:bodyPr wrap="none" rtlCol="0" anchor="ctr">
+            <a:spAutoFit/>
+          </a:bodyPr>
+          <a:lstStyle/>
+          <a:p>
+            <a:pPr algn="ctr"/>
+            <a:r>
+              <a:rPr lang="en-US" altLang="ko-KR" sz="3200" dirty="0"/>
+              <a:t>[</a:t>
+            </a:r>
+            <a:r>
+              <a:rPr lang="ko-KR" altLang="en-US" sz="3200" dirty="0"/>
+              <a:t>현재 상태</a:t>
+            </a:r>
+            <a:r>
+              <a:rPr lang="en-US" altLang="ko-KR" sz="3200" dirty="0"/>
+              <a:t>]</a:t>
+            </a:r>
+          </a:p>
+        </p:txBody>
+      </p:sp>
+      <p:sp>
+        <p:nvSpPr>
+          <p:cNvPr id="3" name="TextBox 2">
+            <a:extLst>
+              <a:ext uri="{FF2B5EF4-FFF2-40B4-BE49-F238E27FC236}">
+                <a16:creationId xmlns:a16="http://schemas.microsoft.com/office/drawing/2014/main" id="{841DFECC-59B1-0A3C-DC94-B4AD9BB1FC75}"/>
+              </a:ext>
+            </a:extLst>
+          </p:cNvPr>
+          <p:cNvSpPr txBox="1"/>
+          <p:nvPr/>
+        </p:nvSpPr>
+        <p:spPr>
+          <a:xfrm>
+            <a:off x="241821" y="5779557"/>
+            <a:ext cx="11708591" cy="646331"/>
+          </a:xfrm>
+          <a:prstGeom prst="rect">
+            <a:avLst/>
+          </a:prstGeom>
+          <a:noFill/>
+        </p:spPr>
+        <p:txBody>
+          <a:bodyPr wrap="none" rtlCol="0">
+            <a:spAutoFit/>
+          </a:bodyPr>
+          <a:lstStyle/>
+          <a:p>
+            <a:pPr algn="ctr"/>
+            <a:r>
+              <a:rPr lang="en-US" altLang="ko-KR" dirty="0" err="1"/>
+              <a:t>nsh</a:t>
+            </a:r>
+            <a:r>
+              <a:rPr lang="en-US" altLang="ko-KR" dirty="0"/>
+              <a:t>-merge </a:t>
+            </a:r>
+            <a:r>
+              <a:rPr lang="ko-KR" altLang="en-US" dirty="0" err="1"/>
+              <a:t>브랜치에</a:t>
+            </a:r>
+            <a:r>
+              <a:rPr lang="ko-KR" altLang="en-US" dirty="0"/>
+              <a:t> </a:t>
+            </a:r>
+            <a:r>
+              <a:rPr lang="en-US" altLang="ko-KR" dirty="0"/>
+              <a:t>main </a:t>
+            </a:r>
+            <a:r>
+              <a:rPr lang="ko-KR" altLang="en-US" dirty="0" err="1"/>
+              <a:t>브랜치의</a:t>
+            </a:r>
+            <a:r>
+              <a:rPr lang="ko-KR" altLang="en-US" dirty="0"/>
+              <a:t> </a:t>
+            </a:r>
+            <a:r>
+              <a:rPr lang="en-US" altLang="ko-KR" dirty="0"/>
+              <a:t>“study </a:t>
+            </a:r>
+            <a:r>
+              <a:rPr lang="ko-KR" altLang="en-US" dirty="0"/>
+              <a:t>자료 생성 </a:t>
+            </a:r>
+            <a:r>
+              <a:rPr lang="en-US" altLang="ko-KR" dirty="0"/>
+              <a:t>&gt; merge ppt </a:t>
+            </a:r>
+            <a:r>
+              <a:rPr lang="ko-KR" altLang="en-US" dirty="0"/>
+              <a:t>추가</a:t>
+            </a:r>
+            <a:r>
+              <a:rPr lang="en-US" altLang="ko-KR" dirty="0"/>
+              <a:t>” commit </a:t>
+            </a:r>
+            <a:r>
+              <a:rPr lang="ko-KR" altLang="en-US" dirty="0" err="1"/>
+              <a:t>부분까지만</a:t>
+            </a:r>
+            <a:r>
+              <a:rPr lang="ko-KR" altLang="en-US" dirty="0"/>
+              <a:t> </a:t>
+            </a:r>
+            <a:r>
+              <a:rPr lang="en-US" altLang="ko-KR" dirty="0"/>
+              <a:t>merge</a:t>
+            </a:r>
+            <a:r>
+              <a:rPr lang="ko-KR" altLang="en-US" dirty="0"/>
+              <a:t>하고 싶다</a:t>
+            </a:r>
+            <a:r>
+              <a:rPr lang="en-US" altLang="ko-KR" dirty="0"/>
+              <a:t>.</a:t>
+            </a:r>
+          </a:p>
+          <a:p>
+            <a:pPr algn="ctr"/>
+            <a:r>
+              <a:rPr lang="en-US" altLang="ko-KR" dirty="0" err="1"/>
+              <a:t>nsh</a:t>
+            </a:r>
+            <a:r>
+              <a:rPr lang="en-US" altLang="ko-KR" dirty="0"/>
+              <a:t>-merge </a:t>
+            </a:r>
+            <a:r>
+              <a:rPr lang="ko-KR" altLang="en-US" dirty="0" err="1"/>
+              <a:t>브랜치의</a:t>
+            </a:r>
+            <a:r>
+              <a:rPr lang="ko-KR" altLang="en-US" dirty="0"/>
+              <a:t> 상태는 이미 </a:t>
+            </a:r>
+            <a:r>
+              <a:rPr lang="en-US" altLang="ko-KR" dirty="0"/>
+              <a:t>main</a:t>
+            </a:r>
+            <a:r>
+              <a:rPr lang="ko-KR" altLang="en-US" dirty="0"/>
+              <a:t>에 </a:t>
+            </a:r>
+            <a:r>
+              <a:rPr lang="en-US" altLang="ko-KR" dirty="0"/>
+              <a:t>merge</a:t>
+            </a:r>
+            <a:r>
+              <a:rPr lang="ko-KR" altLang="en-US" dirty="0"/>
+              <a:t>가 된 이력을 가지고 있다</a:t>
+            </a:r>
+            <a:r>
+              <a:rPr lang="en-US" altLang="ko-KR" dirty="0"/>
+              <a:t>.</a:t>
+            </a:r>
+          </a:p>
+        </p:txBody>
+      </p:sp>
+      <p:pic>
+        <p:nvPicPr>
+          <p:cNvPr id="7" name="그림 6">
+            <a:extLst>
+              <a:ext uri="{FF2B5EF4-FFF2-40B4-BE49-F238E27FC236}">
+                <a16:creationId xmlns:a16="http://schemas.microsoft.com/office/drawing/2014/main" id="{53362BC2-A366-81AA-E31B-93D86E428CC5}"/>
+              </a:ext>
+            </a:extLst>
+          </p:cNvPr>
+          <p:cNvPicPr>
+            <a:picLocks noChangeAspect="1"/>
+          </p:cNvPicPr>
+          <p:nvPr/>
+        </p:nvPicPr>
+        <p:blipFill>
+          <a:blip r:embed="rId3"/>
+          <a:stretch>
+            <a:fillRect/>
+          </a:stretch>
+        </p:blipFill>
+        <p:spPr>
+          <a:xfrm>
+            <a:off x="1839985" y="991224"/>
+            <a:ext cx="8512030" cy="4652444"/>
+          </a:xfrm>
+          <a:prstGeom prst="rect">
+            <a:avLst/>
+          </a:prstGeom>
+        </p:spPr>
+      </p:pic>
+    </p:spTree>
+    <p:extLst>
+      <p:ext uri="{BB962C8B-B14F-4D97-AF65-F5344CB8AC3E}">
+        <p14:creationId xmlns:p14="http://schemas.microsoft.com/office/powerpoint/2010/main" val="3612049559"/>
+      </p:ext>
+    </p:extLst>
+  </p:cSld>
+  <p:clrMapOvr>
+    <a:masterClrMapping/>
+  </p:clrMapOvr>
+</p:sld>
+</file>
+
+<file path=ppt/slides/slide34.xml><?xml version="1.0" encoding="utf-8"?>
+<p:sld xmlns:a="http://schemas.openxmlformats.org/drawingml/2006/main" xmlns:r="http://schemas.openxmlformats.org/officeDocument/2006/relationships" xmlns:p="http://schemas.openxmlformats.org/presentationml/2006/main">
+  <p:cSld>
+    <p:spTree>
+      <p:nvGrpSpPr>
+        <p:cNvPr id="1" name=""/>
+        <p:cNvGrpSpPr/>
+        <p:nvPr/>
+      </p:nvGrpSpPr>
+      <p:grpSpPr>
+        <a:xfrm>
+          <a:off x="0" y="0"/>
+          <a:ext cx="0" cy="0"/>
+          <a:chOff x="0" y="0"/>
+          <a:chExt cx="0" cy="0"/>
+        </a:xfrm>
+      </p:grpSpPr>
+      <p:sp>
+        <p:nvSpPr>
+          <p:cNvPr id="2" name="TextBox 1">
+            <a:extLst>
+              <a:ext uri="{FF2B5EF4-FFF2-40B4-BE49-F238E27FC236}">
+                <a16:creationId xmlns:a16="http://schemas.microsoft.com/office/drawing/2014/main" id="{2A1CB3E1-0179-A769-9EB1-1D24BD0F0746}"/>
+              </a:ext>
+            </a:extLst>
+          </p:cNvPr>
+          <p:cNvSpPr txBox="1"/>
+          <p:nvPr/>
+        </p:nvSpPr>
+        <p:spPr>
+          <a:xfrm>
+            <a:off x="5210296" y="270561"/>
+            <a:ext cx="1771447" cy="584775"/>
+          </a:xfrm>
+          <a:prstGeom prst="rect">
+            <a:avLst/>
+          </a:prstGeom>
+          <a:noFill/>
+        </p:spPr>
+        <p:txBody>
+          <a:bodyPr wrap="none" rtlCol="0" anchor="ctr">
+            <a:spAutoFit/>
+          </a:bodyPr>
+          <a:lstStyle/>
+          <a:p>
+            <a:pPr algn="ctr"/>
+            <a:r>
+              <a:rPr lang="en-US" altLang="ko-KR" sz="3200" dirty="0"/>
+              <a:t>[step</a:t>
+            </a:r>
+            <a:r>
+              <a:rPr lang="ko-KR" altLang="en-US" sz="3200" dirty="0"/>
+              <a:t> ①</a:t>
+            </a:r>
+            <a:r>
+              <a:rPr lang="en-US" altLang="ko-KR" sz="3200" dirty="0"/>
+              <a:t>]</a:t>
+            </a:r>
+          </a:p>
+        </p:txBody>
+      </p:sp>
+      <p:sp>
+        <p:nvSpPr>
+          <p:cNvPr id="3" name="TextBox 2">
+            <a:extLst>
+              <a:ext uri="{FF2B5EF4-FFF2-40B4-BE49-F238E27FC236}">
+                <a16:creationId xmlns:a16="http://schemas.microsoft.com/office/drawing/2014/main" id="{841DFECC-59B1-0A3C-DC94-B4AD9BB1FC75}"/>
+              </a:ext>
+            </a:extLst>
+          </p:cNvPr>
+          <p:cNvSpPr txBox="1"/>
+          <p:nvPr/>
+        </p:nvSpPr>
+        <p:spPr>
+          <a:xfrm>
+            <a:off x="1739809" y="5779557"/>
+            <a:ext cx="8712578" cy="646331"/>
+          </a:xfrm>
+          <a:prstGeom prst="rect">
+            <a:avLst/>
+          </a:prstGeom>
+          <a:noFill/>
+        </p:spPr>
+        <p:txBody>
+          <a:bodyPr wrap="none" rtlCol="0">
+            <a:spAutoFit/>
+          </a:bodyPr>
+          <a:lstStyle/>
+          <a:p>
+            <a:pPr algn="ctr"/>
+            <a:r>
+              <a:rPr lang="en-US" altLang="ko-KR" dirty="0"/>
+              <a:t>main</a:t>
+            </a:r>
+            <a:r>
+              <a:rPr lang="ko-KR" altLang="en-US" dirty="0"/>
+              <a:t> </a:t>
+            </a:r>
+            <a:r>
+              <a:rPr lang="ko-KR" altLang="en-US" dirty="0" err="1"/>
+              <a:t>브랜치의</a:t>
+            </a:r>
+            <a:r>
+              <a:rPr lang="ko-KR" altLang="en-US" dirty="0"/>
+              <a:t> 특정 </a:t>
+            </a:r>
+            <a:r>
+              <a:rPr lang="ko-KR" altLang="en-US" dirty="0" err="1"/>
+              <a:t>커밋</a:t>
+            </a:r>
+            <a:r>
+              <a:rPr lang="ko-KR" altLang="en-US" dirty="0"/>
+              <a:t> </a:t>
+            </a:r>
+            <a:r>
+              <a:rPr lang="ko-KR" altLang="en-US" dirty="0" err="1"/>
+              <a:t>부분까지만을</a:t>
+            </a:r>
+            <a:r>
+              <a:rPr lang="ko-KR" altLang="en-US" dirty="0"/>
+              <a:t> </a:t>
+            </a:r>
+            <a:r>
+              <a:rPr lang="en-US" altLang="ko-KR" dirty="0" err="1"/>
+              <a:t>nsh</a:t>
+            </a:r>
+            <a:r>
+              <a:rPr lang="en-US" altLang="ko-KR" dirty="0"/>
+              <a:t>-merge </a:t>
+            </a:r>
+            <a:r>
+              <a:rPr lang="ko-KR" altLang="en-US" dirty="0" err="1"/>
+              <a:t>브랜치로</a:t>
+            </a:r>
+            <a:r>
+              <a:rPr lang="ko-KR" altLang="en-US" dirty="0"/>
+              <a:t> 병합할 예정이므로</a:t>
+            </a:r>
+            <a:endParaRPr lang="en-US" altLang="ko-KR" dirty="0"/>
+          </a:p>
+          <a:p>
+            <a:pPr algn="ctr"/>
+            <a:r>
+              <a:rPr lang="en-US" altLang="ko-KR" dirty="0" err="1"/>
+              <a:t>nsh</a:t>
+            </a:r>
+            <a:r>
+              <a:rPr lang="en-US" altLang="ko-KR" dirty="0"/>
+              <a:t>-merge </a:t>
+            </a:r>
+            <a:r>
+              <a:rPr lang="ko-KR" altLang="en-US" dirty="0" err="1"/>
+              <a:t>브랜치로</a:t>
+            </a:r>
+            <a:r>
+              <a:rPr lang="ko-KR" altLang="en-US" dirty="0"/>
+              <a:t> </a:t>
+            </a:r>
+            <a:r>
+              <a:rPr lang="en-US" altLang="ko-KR" dirty="0"/>
+              <a:t>checkout</a:t>
+            </a:r>
+            <a:r>
+              <a:rPr lang="ko-KR" altLang="en-US" dirty="0"/>
+              <a:t>한다</a:t>
+            </a:r>
+            <a:r>
+              <a:rPr lang="en-US" altLang="ko-KR" dirty="0"/>
+              <a:t>.</a:t>
+            </a:r>
+          </a:p>
+        </p:txBody>
+      </p:sp>
+      <p:pic>
+        <p:nvPicPr>
+          <p:cNvPr id="5" name="그림 4">
+            <a:extLst>
+              <a:ext uri="{FF2B5EF4-FFF2-40B4-BE49-F238E27FC236}">
+                <a16:creationId xmlns:a16="http://schemas.microsoft.com/office/drawing/2014/main" id="{1D2BE6A1-AC60-49CB-A371-BAF3B3D11DD7}"/>
+              </a:ext>
+            </a:extLst>
+          </p:cNvPr>
+          <p:cNvPicPr>
+            <a:picLocks noChangeAspect="1"/>
+          </p:cNvPicPr>
+          <p:nvPr/>
+        </p:nvPicPr>
+        <p:blipFill>
+          <a:blip r:embed="rId3"/>
+          <a:stretch>
+            <a:fillRect/>
+          </a:stretch>
+        </p:blipFill>
+        <p:spPr>
+          <a:xfrm>
+            <a:off x="2807227" y="1302231"/>
+            <a:ext cx="6577546" cy="4030430"/>
+          </a:xfrm>
+          <a:prstGeom prst="rect">
+            <a:avLst/>
+          </a:prstGeom>
+        </p:spPr>
+      </p:pic>
+    </p:spTree>
+    <p:extLst>
+      <p:ext uri="{BB962C8B-B14F-4D97-AF65-F5344CB8AC3E}">
+        <p14:creationId xmlns:p14="http://schemas.microsoft.com/office/powerpoint/2010/main" val="3639310919"/>
+      </p:ext>
+    </p:extLst>
+  </p:cSld>
+  <p:clrMapOvr>
+    <a:masterClrMapping/>
+  </p:clrMapOvr>
+</p:sld>
+</file>
+
+<file path=ppt/slides/slide35.xml><?xml version="1.0" encoding="utf-8"?>
+<p:sld xmlns:a="http://schemas.openxmlformats.org/drawingml/2006/main" xmlns:r="http://schemas.openxmlformats.org/officeDocument/2006/relationships" xmlns:p="http://schemas.openxmlformats.org/presentationml/2006/main">
+  <p:cSld>
+    <p:spTree>
+      <p:nvGrpSpPr>
+        <p:cNvPr id="1" name=""/>
+        <p:cNvGrpSpPr/>
+        <p:nvPr/>
+      </p:nvGrpSpPr>
+      <p:grpSpPr>
+        <a:xfrm>
+          <a:off x="0" y="0"/>
+          <a:ext cx="0" cy="0"/>
+          <a:chOff x="0" y="0"/>
+          <a:chExt cx="0" cy="0"/>
+        </a:xfrm>
+      </p:grpSpPr>
+      <p:sp>
+        <p:nvSpPr>
+          <p:cNvPr id="2" name="TextBox 1">
+            <a:extLst>
+              <a:ext uri="{FF2B5EF4-FFF2-40B4-BE49-F238E27FC236}">
+                <a16:creationId xmlns:a16="http://schemas.microsoft.com/office/drawing/2014/main" id="{2A1CB3E1-0179-A769-9EB1-1D24BD0F0746}"/>
+              </a:ext>
+            </a:extLst>
+          </p:cNvPr>
+          <p:cNvSpPr txBox="1"/>
+          <p:nvPr/>
+        </p:nvSpPr>
+        <p:spPr>
+          <a:xfrm>
+            <a:off x="5210297" y="270561"/>
+            <a:ext cx="1771446" cy="584775"/>
+          </a:xfrm>
+          <a:prstGeom prst="rect">
+            <a:avLst/>
+          </a:prstGeom>
+          <a:noFill/>
+        </p:spPr>
+        <p:txBody>
+          <a:bodyPr wrap="none" rtlCol="0" anchor="ctr">
+            <a:spAutoFit/>
+          </a:bodyPr>
+          <a:lstStyle/>
+          <a:p>
+            <a:pPr algn="ctr"/>
+            <a:r>
+              <a:rPr lang="en-US" altLang="ko-KR" sz="3200" dirty="0"/>
+              <a:t>[step</a:t>
+            </a:r>
+            <a:r>
+              <a:rPr lang="ko-KR" altLang="en-US" sz="3200" dirty="0"/>
+              <a:t> ②</a:t>
+            </a:r>
+            <a:r>
+              <a:rPr lang="en-US" altLang="ko-KR" sz="3200" dirty="0"/>
+              <a:t>]</a:t>
+            </a:r>
+          </a:p>
+        </p:txBody>
+      </p:sp>
+      <p:sp>
+        <p:nvSpPr>
+          <p:cNvPr id="3" name="TextBox 2">
+            <a:extLst>
+              <a:ext uri="{FF2B5EF4-FFF2-40B4-BE49-F238E27FC236}">
+                <a16:creationId xmlns:a16="http://schemas.microsoft.com/office/drawing/2014/main" id="{841DFECC-59B1-0A3C-DC94-B4AD9BB1FC75}"/>
+              </a:ext>
+            </a:extLst>
+          </p:cNvPr>
+          <p:cNvSpPr txBox="1"/>
+          <p:nvPr/>
+        </p:nvSpPr>
+        <p:spPr>
+          <a:xfrm>
+            <a:off x="340318" y="5779557"/>
+            <a:ext cx="11511549" cy="646331"/>
+          </a:xfrm>
+          <a:prstGeom prst="rect">
+            <a:avLst/>
+          </a:prstGeom>
+          <a:noFill/>
+        </p:spPr>
+        <p:txBody>
+          <a:bodyPr wrap="none" rtlCol="0">
+            <a:spAutoFit/>
+          </a:bodyPr>
+          <a:lstStyle/>
+          <a:p>
+            <a:pPr algn="ctr"/>
+            <a:r>
+              <a:rPr lang="ko-KR" altLang="en-US" dirty="0"/>
+              <a:t>병합할 </a:t>
+            </a:r>
+            <a:r>
+              <a:rPr lang="en-US" altLang="ko-KR" dirty="0"/>
+              <a:t>main </a:t>
+            </a:r>
+            <a:r>
+              <a:rPr lang="ko-KR" altLang="en-US" dirty="0" err="1"/>
+              <a:t>브랜치의</a:t>
+            </a:r>
+            <a:r>
+              <a:rPr lang="ko-KR" altLang="en-US" dirty="0"/>
+              <a:t> </a:t>
+            </a:r>
+            <a:r>
+              <a:rPr lang="en-US" altLang="ko-KR" dirty="0"/>
+              <a:t>“study </a:t>
+            </a:r>
+            <a:r>
+              <a:rPr lang="ko-KR" altLang="en-US" dirty="0"/>
+              <a:t>자료 생성 </a:t>
+            </a:r>
+            <a:r>
+              <a:rPr lang="en-US" altLang="ko-KR" dirty="0"/>
+              <a:t>&gt; merge ppt </a:t>
+            </a:r>
+            <a:r>
+              <a:rPr lang="ko-KR" altLang="en-US" dirty="0"/>
+              <a:t>추가</a:t>
+            </a:r>
+            <a:r>
+              <a:rPr lang="en-US" altLang="ko-KR" dirty="0"/>
+              <a:t>”</a:t>
+            </a:r>
+            <a:r>
+              <a:rPr lang="ko-KR" altLang="en-US" dirty="0"/>
+              <a:t> </a:t>
+            </a:r>
+            <a:r>
+              <a:rPr lang="ko-KR" altLang="en-US" dirty="0" err="1"/>
+              <a:t>커밋에서</a:t>
+            </a:r>
+            <a:r>
+              <a:rPr lang="ko-KR" altLang="en-US" dirty="0"/>
+              <a:t> 마우스 </a:t>
+            </a:r>
+            <a:r>
+              <a:rPr lang="ko-KR" altLang="en-US" dirty="0" err="1"/>
+              <a:t>우클릭을</a:t>
+            </a:r>
+            <a:r>
+              <a:rPr lang="ko-KR" altLang="en-US" dirty="0"/>
+              <a:t> 하면 메뉴가 나타난다</a:t>
+            </a:r>
+            <a:r>
+              <a:rPr lang="en-US" altLang="ko-KR" dirty="0"/>
+              <a:t>.</a:t>
+            </a:r>
+          </a:p>
+          <a:p>
+            <a:pPr algn="ctr"/>
+            <a:r>
+              <a:rPr lang="ko-KR" altLang="en-US" dirty="0"/>
+              <a:t>여기서 </a:t>
+            </a:r>
+            <a:r>
+              <a:rPr lang="en-US" altLang="ko-KR" dirty="0"/>
+              <a:t>“</a:t>
+            </a:r>
+            <a:r>
+              <a:rPr lang="ko-KR" altLang="en-US" dirty="0"/>
+              <a:t>병합</a:t>
+            </a:r>
+            <a:r>
+              <a:rPr lang="en-US" altLang="ko-KR" dirty="0"/>
+              <a:t>…”</a:t>
+            </a:r>
+            <a:r>
+              <a:rPr lang="ko-KR" altLang="en-US" dirty="0"/>
+              <a:t>을 선택한다</a:t>
+            </a:r>
+            <a:r>
+              <a:rPr lang="en-US" altLang="ko-KR" dirty="0"/>
+              <a:t>.</a:t>
+            </a:r>
+          </a:p>
+        </p:txBody>
+      </p:sp>
+      <p:pic>
+        <p:nvPicPr>
+          <p:cNvPr id="8" name="그림 7">
+            <a:extLst>
+              <a:ext uri="{FF2B5EF4-FFF2-40B4-BE49-F238E27FC236}">
+                <a16:creationId xmlns:a16="http://schemas.microsoft.com/office/drawing/2014/main" id="{9132DB74-E947-60E8-6C04-F8D03ED31DCB}"/>
+              </a:ext>
+            </a:extLst>
+          </p:cNvPr>
+          <p:cNvPicPr>
+            <a:picLocks noChangeAspect="1"/>
+          </p:cNvPicPr>
+          <p:nvPr/>
+        </p:nvPicPr>
+        <p:blipFill>
+          <a:blip r:embed="rId3"/>
+          <a:stretch>
+            <a:fillRect/>
+          </a:stretch>
+        </p:blipFill>
+        <p:spPr>
+          <a:xfrm>
+            <a:off x="2748381" y="965065"/>
+            <a:ext cx="6695238" cy="4704762"/>
+          </a:xfrm>
+          <a:prstGeom prst="rect">
+            <a:avLst/>
+          </a:prstGeom>
+        </p:spPr>
+      </p:pic>
+    </p:spTree>
+    <p:extLst>
+      <p:ext uri="{BB962C8B-B14F-4D97-AF65-F5344CB8AC3E}">
+        <p14:creationId xmlns:p14="http://schemas.microsoft.com/office/powerpoint/2010/main" val="2245849379"/>
+      </p:ext>
+    </p:extLst>
+  </p:cSld>
+  <p:clrMapOvr>
+    <a:masterClrMapping/>
+  </p:clrMapOvr>
+</p:sld>
+</file>
+
+<file path=ppt/slides/slide36.xml><?xml version="1.0" encoding="utf-8"?>
+<p:sld xmlns:a="http://schemas.openxmlformats.org/drawingml/2006/main" xmlns:r="http://schemas.openxmlformats.org/officeDocument/2006/relationships" xmlns:p="http://schemas.openxmlformats.org/presentationml/2006/main">
+  <p:cSld>
+    <p:spTree>
+      <p:nvGrpSpPr>
+        <p:cNvPr id="1" name=""/>
+        <p:cNvGrpSpPr/>
+        <p:nvPr/>
+      </p:nvGrpSpPr>
+      <p:grpSpPr>
+        <a:xfrm>
+          <a:off x="0" y="0"/>
+          <a:ext cx="0" cy="0"/>
+          <a:chOff x="0" y="0"/>
+          <a:chExt cx="0" cy="0"/>
+        </a:xfrm>
+      </p:grpSpPr>
+      <p:sp>
+        <p:nvSpPr>
+          <p:cNvPr id="2" name="TextBox 1">
+            <a:extLst>
+              <a:ext uri="{FF2B5EF4-FFF2-40B4-BE49-F238E27FC236}">
+                <a16:creationId xmlns:a16="http://schemas.microsoft.com/office/drawing/2014/main" id="{2A1CB3E1-0179-A769-9EB1-1D24BD0F0746}"/>
+              </a:ext>
+            </a:extLst>
+          </p:cNvPr>
+          <p:cNvSpPr txBox="1"/>
+          <p:nvPr/>
+        </p:nvSpPr>
+        <p:spPr>
+          <a:xfrm>
+            <a:off x="5210296" y="270561"/>
+            <a:ext cx="1771447" cy="584775"/>
+          </a:xfrm>
+          <a:prstGeom prst="rect">
+            <a:avLst/>
+          </a:prstGeom>
+          <a:noFill/>
+        </p:spPr>
+        <p:txBody>
+          <a:bodyPr wrap="none" rtlCol="0" anchor="ctr">
+            <a:spAutoFit/>
+          </a:bodyPr>
+          <a:lstStyle/>
+          <a:p>
+            <a:pPr algn="ctr"/>
+            <a:r>
+              <a:rPr lang="en-US" altLang="ko-KR" sz="3200" dirty="0"/>
+              <a:t>[step</a:t>
+            </a:r>
+            <a:r>
+              <a:rPr lang="ko-KR" altLang="en-US" sz="3200" dirty="0"/>
+              <a:t> </a:t>
+            </a:r>
+            <a:r>
+              <a:rPr lang="ko-KR" altLang="en-US" sz="3200" dirty="0">
+                <a:latin typeface="맑은 고딕" panose="020B0503020000020004" pitchFamily="50" charset="-127"/>
+                <a:ea typeface="맑은 고딕" panose="020B0503020000020004" pitchFamily="50" charset="-127"/>
+              </a:rPr>
+              <a:t>③</a:t>
+            </a:r>
+            <a:r>
+              <a:rPr lang="en-US" altLang="ko-KR" sz="3200" dirty="0"/>
+              <a:t>]</a:t>
+            </a:r>
+          </a:p>
+        </p:txBody>
+      </p:sp>
+      <p:sp>
+        <p:nvSpPr>
+          <p:cNvPr id="3" name="TextBox 2">
+            <a:extLst>
+              <a:ext uri="{FF2B5EF4-FFF2-40B4-BE49-F238E27FC236}">
+                <a16:creationId xmlns:a16="http://schemas.microsoft.com/office/drawing/2014/main" id="{841DFECC-59B1-0A3C-DC94-B4AD9BB1FC75}"/>
+              </a:ext>
+            </a:extLst>
+          </p:cNvPr>
+          <p:cNvSpPr txBox="1"/>
+          <p:nvPr/>
+        </p:nvSpPr>
+        <p:spPr>
+          <a:xfrm>
+            <a:off x="868033" y="5439824"/>
+            <a:ext cx="10456132" cy="1200329"/>
+          </a:xfrm>
+          <a:prstGeom prst="rect">
+            <a:avLst/>
+          </a:prstGeom>
+          <a:noFill/>
+        </p:spPr>
+        <p:txBody>
+          <a:bodyPr wrap="none" rtlCol="0">
+            <a:spAutoFit/>
+          </a:bodyPr>
+          <a:lstStyle/>
+          <a:p>
+            <a:pPr algn="ctr"/>
+            <a:r>
+              <a:rPr lang="ko-KR" altLang="en-US" dirty="0"/>
+              <a:t>해당 </a:t>
+            </a:r>
+            <a:r>
+              <a:rPr lang="ko-KR" altLang="en-US" dirty="0" err="1"/>
+              <a:t>커밋을</a:t>
+            </a:r>
+            <a:r>
+              <a:rPr lang="ko-KR" altLang="en-US" dirty="0"/>
+              <a:t> 병합할 것인지 묻는 팝업 창이 뜬다</a:t>
+            </a:r>
+            <a:r>
+              <a:rPr lang="en-US" altLang="ko-KR" dirty="0"/>
+              <a:t>.</a:t>
+            </a:r>
+          </a:p>
+          <a:p>
+            <a:pPr algn="ctr"/>
+            <a:endParaRPr lang="en-US" altLang="ko-KR" dirty="0"/>
+          </a:p>
+          <a:p>
+            <a:pPr algn="ctr"/>
+            <a:r>
+              <a:rPr lang="ko-KR" altLang="en-US" dirty="0"/>
+              <a:t>이 때 </a:t>
+            </a:r>
+            <a:r>
+              <a:rPr lang="en-US" altLang="ko-KR" dirty="0"/>
+              <a:t>“fast-forward</a:t>
+            </a:r>
+            <a:r>
+              <a:rPr lang="ko-KR" altLang="en-US" dirty="0"/>
+              <a:t>가 가능해도 새 </a:t>
+            </a:r>
+            <a:r>
+              <a:rPr lang="ko-KR" altLang="en-US" dirty="0" err="1"/>
+              <a:t>커밋으로</a:t>
+            </a:r>
+            <a:r>
+              <a:rPr lang="ko-KR" altLang="en-US" dirty="0"/>
+              <a:t> 생성</a:t>
+            </a:r>
+            <a:r>
+              <a:rPr lang="en-US" altLang="ko-KR" dirty="0"/>
+              <a:t>” </a:t>
+            </a:r>
+            <a:r>
+              <a:rPr lang="ko-KR" altLang="en-US" dirty="0"/>
+              <a:t>옵션을 선택하면 빨리 감기 병합이 가능하더라도</a:t>
+            </a:r>
+            <a:endParaRPr lang="en-US" altLang="ko-KR" dirty="0"/>
+          </a:p>
+          <a:p>
+            <a:pPr algn="ctr"/>
+            <a:r>
+              <a:rPr lang="ko-KR" altLang="en-US" dirty="0"/>
+              <a:t>명시적으로 병합 </a:t>
+            </a:r>
+            <a:r>
+              <a:rPr lang="ko-KR" altLang="en-US" dirty="0" err="1"/>
+              <a:t>커밋을</a:t>
+            </a:r>
+            <a:r>
+              <a:rPr lang="ko-KR" altLang="en-US" dirty="0"/>
+              <a:t> 만든다</a:t>
+            </a:r>
+            <a:r>
+              <a:rPr lang="en-US" altLang="ko-KR" dirty="0"/>
+              <a:t>. </a:t>
+            </a:r>
+            <a:r>
+              <a:rPr lang="ko-KR" altLang="en-US" dirty="0" err="1"/>
+              <a:t>브랜치</a:t>
+            </a:r>
+            <a:r>
+              <a:rPr lang="ko-KR" altLang="en-US" dirty="0"/>
+              <a:t> 병합 기록이 명시적으로 남길 원할 때 선택한다</a:t>
+            </a:r>
+            <a:r>
+              <a:rPr lang="en-US" altLang="ko-KR" dirty="0"/>
+              <a:t>.</a:t>
+            </a:r>
+          </a:p>
+        </p:txBody>
+      </p:sp>
+      <p:pic>
+        <p:nvPicPr>
+          <p:cNvPr id="5" name="그림 4">
+            <a:extLst>
+              <a:ext uri="{FF2B5EF4-FFF2-40B4-BE49-F238E27FC236}">
+                <a16:creationId xmlns:a16="http://schemas.microsoft.com/office/drawing/2014/main" id="{DBB86FDE-6955-FB69-62AE-E027334D4F48}"/>
+              </a:ext>
+            </a:extLst>
+          </p:cNvPr>
+          <p:cNvPicPr>
+            <a:picLocks noChangeAspect="1"/>
+          </p:cNvPicPr>
+          <p:nvPr/>
+        </p:nvPicPr>
+        <p:blipFill>
+          <a:blip r:embed="rId3"/>
+          <a:stretch>
+            <a:fillRect/>
+          </a:stretch>
+        </p:blipFill>
+        <p:spPr>
+          <a:xfrm>
+            <a:off x="1400432" y="1061347"/>
+            <a:ext cx="9391136" cy="4236180"/>
+          </a:xfrm>
+          <a:prstGeom prst="rect">
+            <a:avLst/>
+          </a:prstGeom>
+        </p:spPr>
+      </p:pic>
+    </p:spTree>
+    <p:extLst>
+      <p:ext uri="{BB962C8B-B14F-4D97-AF65-F5344CB8AC3E}">
+        <p14:creationId xmlns:p14="http://schemas.microsoft.com/office/powerpoint/2010/main" val="3013925698"/>
+      </p:ext>
+    </p:extLst>
+  </p:cSld>
+  <p:clrMapOvr>
+    <a:masterClrMapping/>
+  </p:clrMapOvr>
+</p:sld>
+</file>
+
+<file path=ppt/slides/slide37.xml><?xml version="1.0" encoding="utf-8"?>
+<p:sld xmlns:a="http://schemas.openxmlformats.org/drawingml/2006/main" xmlns:r="http://schemas.openxmlformats.org/officeDocument/2006/relationships" xmlns:p="http://schemas.openxmlformats.org/presentationml/2006/main">
+  <p:cSld>
+    <p:spTree>
+      <p:nvGrpSpPr>
+        <p:cNvPr id="1" name=""/>
+        <p:cNvGrpSpPr/>
+        <p:nvPr/>
+      </p:nvGrpSpPr>
+      <p:grpSpPr>
+        <a:xfrm>
+          <a:off x="0" y="0"/>
+          <a:ext cx="0" cy="0"/>
+          <a:chOff x="0" y="0"/>
+          <a:chExt cx="0" cy="0"/>
+        </a:xfrm>
+      </p:grpSpPr>
+      <p:sp>
+        <p:nvSpPr>
+          <p:cNvPr id="2" name="TextBox 1">
+            <a:extLst>
+              <a:ext uri="{FF2B5EF4-FFF2-40B4-BE49-F238E27FC236}">
+                <a16:creationId xmlns:a16="http://schemas.microsoft.com/office/drawing/2014/main" id="{2A1CB3E1-0179-A769-9EB1-1D24BD0F0746}"/>
+              </a:ext>
+            </a:extLst>
+          </p:cNvPr>
+          <p:cNvSpPr txBox="1"/>
+          <p:nvPr/>
+        </p:nvSpPr>
+        <p:spPr>
+          <a:xfrm>
+            <a:off x="5210296" y="270561"/>
+            <a:ext cx="1771447" cy="584775"/>
+          </a:xfrm>
+          <a:prstGeom prst="rect">
+            <a:avLst/>
+          </a:prstGeom>
+          <a:noFill/>
+        </p:spPr>
+        <p:txBody>
+          <a:bodyPr wrap="none" rtlCol="0" anchor="ctr">
+            <a:spAutoFit/>
+          </a:bodyPr>
+          <a:lstStyle/>
+          <a:p>
+            <a:pPr algn="ctr"/>
+            <a:r>
+              <a:rPr lang="en-US" altLang="ko-KR" sz="3200" dirty="0"/>
+              <a:t>[step</a:t>
+            </a:r>
+            <a:r>
+              <a:rPr lang="ko-KR" altLang="en-US" sz="3200" dirty="0"/>
+              <a:t> </a:t>
+            </a:r>
+            <a:r>
+              <a:rPr lang="ko-KR" altLang="en-US" sz="3200" dirty="0">
+                <a:latin typeface="맑은 고딕" panose="020B0503020000020004" pitchFamily="50" charset="-127"/>
+                <a:ea typeface="맑은 고딕" panose="020B0503020000020004" pitchFamily="50" charset="-127"/>
+              </a:rPr>
+              <a:t>④</a:t>
+            </a:r>
+            <a:r>
+              <a:rPr lang="en-US" altLang="ko-KR" sz="3200" dirty="0"/>
+              <a:t>]</a:t>
+            </a:r>
+          </a:p>
+        </p:txBody>
+      </p:sp>
+      <p:sp>
+        <p:nvSpPr>
+          <p:cNvPr id="3" name="TextBox 2">
+            <a:extLst>
+              <a:ext uri="{FF2B5EF4-FFF2-40B4-BE49-F238E27FC236}">
+                <a16:creationId xmlns:a16="http://schemas.microsoft.com/office/drawing/2014/main" id="{841DFECC-59B1-0A3C-DC94-B4AD9BB1FC75}"/>
+              </a:ext>
+            </a:extLst>
+          </p:cNvPr>
+          <p:cNvSpPr txBox="1"/>
+          <p:nvPr/>
+        </p:nvSpPr>
+        <p:spPr>
+          <a:xfrm>
+            <a:off x="1298224" y="5779557"/>
+            <a:ext cx="9595767" cy="646331"/>
+          </a:xfrm>
+          <a:prstGeom prst="rect">
+            <a:avLst/>
+          </a:prstGeom>
+          <a:noFill/>
+        </p:spPr>
+        <p:txBody>
+          <a:bodyPr wrap="none" rtlCol="0">
+            <a:spAutoFit/>
+          </a:bodyPr>
+          <a:lstStyle/>
+          <a:p>
+            <a:pPr algn="ctr"/>
+            <a:r>
+              <a:rPr lang="en-US" altLang="ko-KR" dirty="0"/>
+              <a:t>main </a:t>
+            </a:r>
+            <a:r>
+              <a:rPr lang="ko-KR" altLang="en-US" dirty="0" err="1"/>
+              <a:t>브랜치는</a:t>
+            </a:r>
+            <a:r>
+              <a:rPr lang="ko-KR" altLang="en-US" dirty="0"/>
+              <a:t> </a:t>
+            </a:r>
+            <a:r>
+              <a:rPr lang="en-US" altLang="ko-KR" dirty="0" err="1"/>
+              <a:t>nsh</a:t>
+            </a:r>
+            <a:r>
+              <a:rPr lang="en-US" altLang="ko-KR" dirty="0"/>
+              <a:t>-merge </a:t>
+            </a:r>
+            <a:r>
+              <a:rPr lang="ko-KR" altLang="en-US" dirty="0" err="1"/>
+              <a:t>브랜치의</a:t>
+            </a:r>
+            <a:r>
+              <a:rPr lang="ko-KR" altLang="en-US" dirty="0"/>
+              <a:t> 이력을 모두 가지고 있으므로</a:t>
+            </a:r>
+            <a:endParaRPr lang="en-US" altLang="ko-KR" dirty="0"/>
+          </a:p>
+          <a:p>
+            <a:pPr algn="ctr"/>
+            <a:r>
+              <a:rPr lang="en-US" altLang="ko-KR" dirty="0" err="1"/>
+              <a:t>nsh</a:t>
+            </a:r>
+            <a:r>
+              <a:rPr lang="en-US" altLang="ko-KR" dirty="0"/>
+              <a:t>-merge</a:t>
+            </a:r>
+            <a:r>
+              <a:rPr lang="ko-KR" altLang="en-US" dirty="0" err="1"/>
+              <a:t>브랜치로</a:t>
+            </a:r>
+            <a:r>
+              <a:rPr lang="ko-KR" altLang="en-US" dirty="0"/>
+              <a:t> </a:t>
+            </a:r>
+            <a:r>
+              <a:rPr lang="en-US" altLang="ko-KR" dirty="0"/>
+              <a:t>main </a:t>
+            </a:r>
+            <a:r>
+              <a:rPr lang="ko-KR" altLang="en-US" dirty="0" err="1"/>
+              <a:t>브랜치의</a:t>
+            </a:r>
+            <a:r>
+              <a:rPr lang="ko-KR" altLang="en-US" dirty="0"/>
+              <a:t> 특정 </a:t>
+            </a:r>
+            <a:r>
+              <a:rPr lang="ko-KR" altLang="en-US" dirty="0" err="1"/>
+              <a:t>커밋을</a:t>
+            </a:r>
+            <a:r>
+              <a:rPr lang="ko-KR" altLang="en-US" dirty="0"/>
+              <a:t> </a:t>
+            </a:r>
+            <a:r>
+              <a:rPr lang="en-US" altLang="ko-KR" dirty="0"/>
+              <a:t>merge</a:t>
+            </a:r>
+            <a:r>
+              <a:rPr lang="ko-KR" altLang="en-US" dirty="0"/>
+              <a:t>했을 때 빨리 감기 병합이 발생한다</a:t>
+            </a:r>
+            <a:r>
+              <a:rPr lang="en-US" altLang="ko-KR" dirty="0"/>
+              <a:t>.</a:t>
+            </a:r>
+          </a:p>
+        </p:txBody>
+      </p:sp>
+      <p:pic>
+        <p:nvPicPr>
+          <p:cNvPr id="5" name="그림 4">
+            <a:extLst>
+              <a:ext uri="{FF2B5EF4-FFF2-40B4-BE49-F238E27FC236}">
+                <a16:creationId xmlns:a16="http://schemas.microsoft.com/office/drawing/2014/main" id="{3F84531B-1AC3-C11C-B7ED-B5B608384015}"/>
+              </a:ext>
+            </a:extLst>
+          </p:cNvPr>
+          <p:cNvPicPr>
+            <a:picLocks noChangeAspect="1"/>
+          </p:cNvPicPr>
+          <p:nvPr/>
+        </p:nvPicPr>
+        <p:blipFill>
+          <a:blip r:embed="rId3"/>
+          <a:stretch>
+            <a:fillRect/>
+          </a:stretch>
+        </p:blipFill>
+        <p:spPr>
+          <a:xfrm>
+            <a:off x="3064476" y="1116811"/>
+            <a:ext cx="6063048" cy="4401270"/>
+          </a:xfrm>
+          <a:prstGeom prst="rect">
+            <a:avLst/>
+          </a:prstGeom>
+        </p:spPr>
+      </p:pic>
+    </p:spTree>
+    <p:extLst>
+      <p:ext uri="{BB962C8B-B14F-4D97-AF65-F5344CB8AC3E}">
+        <p14:creationId xmlns:p14="http://schemas.microsoft.com/office/powerpoint/2010/main" val="1174587480"/>
+      </p:ext>
+    </p:extLst>
+  </p:cSld>
+  <p:clrMapOvr>
+    <a:masterClrMapping/>
+  </p:clrMapOvr>
+</p:sld>
+</file>
+
+<file path=ppt/slides/slide38.xml><?xml version="1.0" encoding="utf-8"?>
+<p:sld xmlns:a="http://schemas.openxmlformats.org/drawingml/2006/main" xmlns:r="http://schemas.openxmlformats.org/officeDocument/2006/relationships" xmlns:p="http://schemas.openxmlformats.org/presentationml/2006/main">
+  <p:cSld>
+    <p:spTree>
+      <p:nvGrpSpPr>
+        <p:cNvPr id="1" name=""/>
+        <p:cNvGrpSpPr/>
+        <p:nvPr/>
+      </p:nvGrpSpPr>
+      <p:grpSpPr>
+        <a:xfrm>
+          <a:off x="0" y="0"/>
+          <a:ext cx="0" cy="0"/>
+          <a:chOff x="0" y="0"/>
+          <a:chExt cx="0" cy="0"/>
+        </a:xfrm>
+      </p:grpSpPr>
+      <p:sp>
+        <p:nvSpPr>
+          <p:cNvPr id="4" name="TextBox 3">
+            <a:extLst>
+              <a:ext uri="{FF2B5EF4-FFF2-40B4-BE49-F238E27FC236}">
+                <a16:creationId xmlns:a16="http://schemas.microsoft.com/office/drawing/2014/main" id="{0B8A8028-DD3B-7E10-8056-3225EDF81E52}"/>
+              </a:ext>
+            </a:extLst>
+          </p:cNvPr>
+          <p:cNvSpPr txBox="1"/>
+          <p:nvPr/>
+        </p:nvSpPr>
+        <p:spPr>
+          <a:xfrm>
+            <a:off x="167391" y="447994"/>
+            <a:ext cx="3021981" cy="830997"/>
+          </a:xfrm>
+          <a:prstGeom prst="rect">
+            <a:avLst/>
+          </a:prstGeom>
+          <a:noFill/>
+        </p:spPr>
+        <p:txBody>
+          <a:bodyPr wrap="none" rtlCol="0" anchor="ctr">
+            <a:spAutoFit/>
+          </a:bodyPr>
+          <a:lstStyle/>
+          <a:p>
+            <a:pPr algn="ctr"/>
+            <a:r>
+              <a:rPr lang="en-US" altLang="ko-KR" sz="4800" dirty="0"/>
+              <a:t>[</a:t>
+            </a:r>
+            <a:r>
+              <a:rPr lang="ko-KR" altLang="en-US" sz="4800" dirty="0"/>
+              <a:t>참고문헌</a:t>
+            </a:r>
+            <a:r>
+              <a:rPr lang="en-US" altLang="ko-KR" sz="4800" dirty="0"/>
+              <a:t>]</a:t>
+            </a:r>
+            <a:endParaRPr lang="ko-KR" altLang="en-US" sz="4800" dirty="0"/>
+          </a:p>
+        </p:txBody>
+      </p:sp>
+      <p:sp>
+        <p:nvSpPr>
+          <p:cNvPr id="5" name="TextBox 4">
+            <a:extLst>
+              <a:ext uri="{FF2B5EF4-FFF2-40B4-BE49-F238E27FC236}">
+                <a16:creationId xmlns:a16="http://schemas.microsoft.com/office/drawing/2014/main" id="{440B3F72-C396-99D9-61BC-C4548B1E5310}"/>
+              </a:ext>
+            </a:extLst>
+          </p:cNvPr>
+          <p:cNvSpPr txBox="1"/>
+          <p:nvPr/>
+        </p:nvSpPr>
+        <p:spPr>
+          <a:xfrm>
+            <a:off x="243444" y="1704109"/>
+            <a:ext cx="7933197" cy="369332"/>
+          </a:xfrm>
+          <a:prstGeom prst="rect">
+            <a:avLst/>
+          </a:prstGeom>
+          <a:noFill/>
+        </p:spPr>
+        <p:txBody>
+          <a:bodyPr wrap="none" rtlCol="0">
+            <a:spAutoFit/>
+          </a:bodyPr>
+          <a:lstStyle/>
+          <a:p>
+            <a:r>
+              <a:rPr lang="en-US" altLang="ko-KR" b="0" i="0" dirty="0">
+                <a:solidFill>
+                  <a:srgbClr val="222222"/>
+                </a:solidFill>
+                <a:effectLst/>
+                <a:latin typeface="Noto Sans Medium"/>
+              </a:rPr>
+              <a:t>“</a:t>
+            </a:r>
+            <a:r>
+              <a:rPr lang="ko-KR" altLang="en-US" b="0" i="0" dirty="0" err="1">
+                <a:solidFill>
+                  <a:srgbClr val="000C34"/>
+                </a:solidFill>
+                <a:effectLst/>
+                <a:latin typeface="roboto-medium"/>
+              </a:rPr>
+              <a:t>브랜치</a:t>
+            </a:r>
+            <a:r>
+              <a:rPr lang="ko-KR" altLang="en-US" b="0" i="0" dirty="0">
+                <a:solidFill>
+                  <a:srgbClr val="000C34"/>
+                </a:solidFill>
+                <a:effectLst/>
+                <a:latin typeface="roboto-medium"/>
+              </a:rPr>
+              <a:t> 통합하기</a:t>
+            </a:r>
+            <a:r>
+              <a:rPr lang="en-US" altLang="ko-KR" b="0" i="0" dirty="0">
+                <a:solidFill>
+                  <a:srgbClr val="222222"/>
+                </a:solidFill>
+                <a:effectLst/>
+                <a:latin typeface="Noto Sans Medium"/>
+              </a:rPr>
+              <a:t>”,</a:t>
+            </a:r>
+            <a:r>
+              <a:rPr lang="en-US" altLang="ko-KR" dirty="0">
+                <a:solidFill>
+                  <a:srgbClr val="222222"/>
+                </a:solidFill>
+                <a:latin typeface="Noto Sans Medium"/>
+              </a:rPr>
+              <a:t> </a:t>
+            </a:r>
+            <a:r>
+              <a:rPr lang="en-US" altLang="ko-KR" b="0" i="0" dirty="0">
+                <a:solidFill>
+                  <a:srgbClr val="222222"/>
+                </a:solidFill>
+                <a:effectLst/>
+                <a:latin typeface="Noto Sans Medium"/>
+              </a:rPr>
+              <a:t>&lt;https://backlog.com/git-tutorial/kr/stepup/stepup1_4.html&gt;.</a:t>
+            </a:r>
+            <a:endParaRPr lang="ko-KR" altLang="en-US" b="0" i="0" dirty="0">
+              <a:solidFill>
+                <a:srgbClr val="222222"/>
+              </a:solidFill>
+              <a:effectLst/>
+              <a:latin typeface="Noto Sans Medium"/>
+            </a:endParaRPr>
+          </a:p>
+        </p:txBody>
+      </p:sp>
+      <p:sp>
+        <p:nvSpPr>
+          <p:cNvPr id="3" name="TextBox 2">
+            <a:extLst>
+              <a:ext uri="{FF2B5EF4-FFF2-40B4-BE49-F238E27FC236}">
+                <a16:creationId xmlns:a16="http://schemas.microsoft.com/office/drawing/2014/main" id="{F8738AFC-4E7F-FF65-00CB-D5692C1D9EC3}"/>
+              </a:ext>
+            </a:extLst>
+          </p:cNvPr>
+          <p:cNvSpPr txBox="1"/>
+          <p:nvPr/>
+        </p:nvSpPr>
+        <p:spPr>
+          <a:xfrm>
+            <a:off x="243444" y="2498559"/>
+            <a:ext cx="7494359" cy="369332"/>
+          </a:xfrm>
+          <a:prstGeom prst="rect">
+            <a:avLst/>
+          </a:prstGeom>
+          <a:noFill/>
+        </p:spPr>
+        <p:txBody>
+          <a:bodyPr wrap="none" rtlCol="0">
+            <a:spAutoFit/>
+          </a:bodyPr>
+          <a:lstStyle/>
+          <a:p>
+            <a:r>
+              <a:rPr lang="ko-KR" altLang="en-US" dirty="0">
+                <a:solidFill>
+                  <a:srgbClr val="222222"/>
+                </a:solidFill>
+                <a:latin typeface="Noto Sans Medium"/>
+              </a:rPr>
+              <a:t>정호영</a:t>
+            </a:r>
+            <a:r>
+              <a:rPr lang="en-US" altLang="ko-KR" dirty="0">
+                <a:solidFill>
+                  <a:srgbClr val="222222"/>
+                </a:solidFill>
+                <a:latin typeface="Noto Sans Medium"/>
+              </a:rPr>
+              <a:t>·</a:t>
+            </a:r>
+            <a:r>
+              <a:rPr lang="ko-KR" altLang="en-US" dirty="0">
+                <a:solidFill>
+                  <a:srgbClr val="222222"/>
+                </a:solidFill>
+                <a:latin typeface="Noto Sans Medium"/>
+              </a:rPr>
+              <a:t> </a:t>
+            </a:r>
+            <a:r>
+              <a:rPr lang="ko-KR" altLang="en-US" dirty="0" err="1">
+                <a:solidFill>
+                  <a:srgbClr val="222222"/>
+                </a:solidFill>
+                <a:latin typeface="Noto Sans Medium"/>
+              </a:rPr>
+              <a:t>진유림</a:t>
+            </a:r>
+            <a:r>
+              <a:rPr lang="en-US" altLang="ko-KR" dirty="0">
+                <a:solidFill>
+                  <a:srgbClr val="222222"/>
+                </a:solidFill>
+                <a:latin typeface="Noto Sans Medium"/>
+              </a:rPr>
+              <a:t>, 『</a:t>
+            </a:r>
+            <a:r>
+              <a:rPr lang="ko-KR" altLang="en-US" dirty="0">
+                <a:solidFill>
+                  <a:srgbClr val="222222"/>
+                </a:solidFill>
+                <a:latin typeface="Noto Sans Medium"/>
+              </a:rPr>
+              <a:t>팀 개발을 위한 </a:t>
+            </a:r>
+            <a:r>
+              <a:rPr lang="en-US" altLang="ko-KR" dirty="0">
+                <a:solidFill>
+                  <a:srgbClr val="222222"/>
+                </a:solidFill>
+                <a:latin typeface="Noto Sans Medium"/>
+              </a:rPr>
+              <a:t>Git GitHub </a:t>
+            </a:r>
+            <a:r>
+              <a:rPr lang="ko-KR" altLang="en-US" dirty="0">
+                <a:solidFill>
+                  <a:srgbClr val="222222"/>
+                </a:solidFill>
+                <a:latin typeface="Noto Sans Medium"/>
+              </a:rPr>
+              <a:t>시작하기 </a:t>
+            </a:r>
+            <a:r>
+              <a:rPr lang="en-US" altLang="ko-KR" dirty="0">
+                <a:solidFill>
+                  <a:srgbClr val="222222"/>
+                </a:solidFill>
+                <a:latin typeface="Noto Sans Medium"/>
+              </a:rPr>
+              <a:t>』, </a:t>
+            </a:r>
+            <a:r>
+              <a:rPr lang="ko-KR" altLang="en-US" dirty="0" err="1">
+                <a:solidFill>
+                  <a:srgbClr val="222222"/>
+                </a:solidFill>
+                <a:latin typeface="Noto Sans Medium"/>
+              </a:rPr>
+              <a:t>한빛미디어</a:t>
+            </a:r>
+            <a:r>
+              <a:rPr lang="en-US" altLang="ko-KR" dirty="0">
+                <a:solidFill>
+                  <a:srgbClr val="222222"/>
+                </a:solidFill>
+                <a:latin typeface="Noto Sans Medium"/>
+              </a:rPr>
+              <a:t>, 2020.</a:t>
+            </a:r>
+            <a:endParaRPr lang="ko-KR" altLang="en-US" b="0" i="0" dirty="0">
+              <a:solidFill>
+                <a:srgbClr val="222222"/>
+              </a:solidFill>
+              <a:effectLst/>
+              <a:latin typeface="Noto Sans Medium"/>
+            </a:endParaRPr>
+          </a:p>
+        </p:txBody>
+      </p:sp>
+    </p:spTree>
+    <p:extLst>
+      <p:ext uri="{BB962C8B-B14F-4D97-AF65-F5344CB8AC3E}">
+        <p14:creationId xmlns:p14="http://schemas.microsoft.com/office/powerpoint/2010/main" val="374911859"/>
+      </p:ext>
+    </p:extLst>
+  </p:cSld>
+  <p:clrMapOvr>
+    <a:masterClrMapping/>
+  </p:clrMapOvr>
+</p:sld>
+</file>
+
+<file path=ppt/slides/slide39.xml><?xml version="1.0" encoding="utf-8"?>
+<p:sld xmlns:a="http://schemas.openxmlformats.org/drawingml/2006/main" xmlns:r="http://schemas.openxmlformats.org/officeDocument/2006/relationships" xmlns:p="http://schemas.openxmlformats.org/presentationml/2006/main">
+  <p:cSld>
+    <p:spTree>
+      <p:nvGrpSpPr>
+        <p:cNvPr id="1" name=""/>
+        <p:cNvGrpSpPr/>
+        <p:nvPr/>
+      </p:nvGrpSpPr>
+      <p:grpSpPr>
+        <a:xfrm>
+          <a:off x="0" y="0"/>
+          <a:ext cx="0" cy="0"/>
+          <a:chOff x="0" y="0"/>
+          <a:chExt cx="0" cy="0"/>
+        </a:xfrm>
+      </p:grpSpPr>
+      <p:sp>
+        <p:nvSpPr>
+          <p:cNvPr id="4" name="TextBox 3">
+            <a:extLst>
+              <a:ext uri="{FF2B5EF4-FFF2-40B4-BE49-F238E27FC236}">
+                <a16:creationId xmlns:a16="http://schemas.microsoft.com/office/drawing/2014/main" id="{B8452C05-1494-512C-6C90-1962FBF1EBCF}"/>
+              </a:ext>
+            </a:extLst>
+          </p:cNvPr>
+          <p:cNvSpPr txBox="1"/>
+          <p:nvPr/>
+        </p:nvSpPr>
+        <p:spPr>
+          <a:xfrm>
+            <a:off x="5256123" y="2967335"/>
+            <a:ext cx="1679755" cy="923330"/>
+          </a:xfrm>
+          <a:prstGeom prst="rect">
+            <a:avLst/>
+          </a:prstGeom>
+          <a:noFill/>
+        </p:spPr>
+        <p:txBody>
+          <a:bodyPr wrap="none" rtlCol="0" anchor="ctr">
+            <a:spAutoFit/>
+          </a:bodyPr>
+          <a:lstStyle/>
+          <a:p>
+            <a:pPr algn="ctr"/>
+            <a:r>
+              <a:rPr lang="en-US" altLang="ko-KR" sz="5400" dirty="0"/>
+              <a:t>EOD.</a:t>
+            </a:r>
+            <a:endParaRPr lang="ko-KR" altLang="en-US" sz="5400" dirty="0"/>
+          </a:p>
+        </p:txBody>
+      </p:sp>
+    </p:spTree>
+    <p:extLst>
+      <p:ext uri="{BB962C8B-B14F-4D97-AF65-F5344CB8AC3E}">
+        <p14:creationId xmlns:p14="http://schemas.microsoft.com/office/powerpoint/2010/main" val="2386495230"/>
       </p:ext>
     </p:extLst>
   </p:cSld>

--- a/docs/4. merge.pptx
+++ b/docs/4. merge.pptx
@@ -1486,7 +1486,7 @@
           <a:p>
             <a:fld id="{EFBA5509-D1D1-47CF-BFB7-E1AA9548D41D}" type="datetimeFigureOut">
               <a:rPr lang="ko-KR" altLang="en-US" smtClean="0"/>
-              <a:t>2022-11-26</a:t>
+              <a:t>2022-12-05</a:t>
             </a:fld>
             <a:endParaRPr lang="ko-KR" altLang="en-US"/>
           </a:p>
@@ -4773,7 +4773,7 @@
           <a:p>
             <a:fld id="{2E2D5BC7-3CC9-4CF8-9043-E85E9F2EC4FF}" type="datetimeFigureOut">
               <a:rPr lang="ko-KR" altLang="en-US" smtClean="0"/>
-              <a:t>2022-11-26</a:t>
+              <a:t>2022-12-05</a:t>
             </a:fld>
             <a:endParaRPr lang="ko-KR" altLang="en-US"/>
           </a:p>
@@ -4971,7 +4971,7 @@
           <a:p>
             <a:fld id="{2E2D5BC7-3CC9-4CF8-9043-E85E9F2EC4FF}" type="datetimeFigureOut">
               <a:rPr lang="ko-KR" altLang="en-US" smtClean="0"/>
-              <a:t>2022-11-26</a:t>
+              <a:t>2022-12-05</a:t>
             </a:fld>
             <a:endParaRPr lang="ko-KR" altLang="en-US"/>
           </a:p>
@@ -5179,7 +5179,7 @@
           <a:p>
             <a:fld id="{2E2D5BC7-3CC9-4CF8-9043-E85E9F2EC4FF}" type="datetimeFigureOut">
               <a:rPr lang="ko-KR" altLang="en-US" smtClean="0"/>
-              <a:t>2022-11-26</a:t>
+              <a:t>2022-12-05</a:t>
             </a:fld>
             <a:endParaRPr lang="ko-KR" altLang="en-US"/>
           </a:p>
@@ -5377,7 +5377,7 @@
           <a:p>
             <a:fld id="{2E2D5BC7-3CC9-4CF8-9043-E85E9F2EC4FF}" type="datetimeFigureOut">
               <a:rPr lang="ko-KR" altLang="en-US" smtClean="0"/>
-              <a:t>2022-11-26</a:t>
+              <a:t>2022-12-05</a:t>
             </a:fld>
             <a:endParaRPr lang="ko-KR" altLang="en-US"/>
           </a:p>
@@ -5652,7 +5652,7 @@
           <a:p>
             <a:fld id="{2E2D5BC7-3CC9-4CF8-9043-E85E9F2EC4FF}" type="datetimeFigureOut">
               <a:rPr lang="ko-KR" altLang="en-US" smtClean="0"/>
-              <a:t>2022-11-26</a:t>
+              <a:t>2022-12-05</a:t>
             </a:fld>
             <a:endParaRPr lang="ko-KR" altLang="en-US"/>
           </a:p>
@@ -5917,7 +5917,7 @@
           <a:p>
             <a:fld id="{2E2D5BC7-3CC9-4CF8-9043-E85E9F2EC4FF}" type="datetimeFigureOut">
               <a:rPr lang="ko-KR" altLang="en-US" smtClean="0"/>
-              <a:t>2022-11-26</a:t>
+              <a:t>2022-12-05</a:t>
             </a:fld>
             <a:endParaRPr lang="ko-KR" altLang="en-US"/>
           </a:p>
@@ -6329,7 +6329,7 @@
           <a:p>
             <a:fld id="{2E2D5BC7-3CC9-4CF8-9043-E85E9F2EC4FF}" type="datetimeFigureOut">
               <a:rPr lang="ko-KR" altLang="en-US" smtClean="0"/>
-              <a:t>2022-11-26</a:t>
+              <a:t>2022-12-05</a:t>
             </a:fld>
             <a:endParaRPr lang="ko-KR" altLang="en-US"/>
           </a:p>
@@ -6470,7 +6470,7 @@
           <a:p>
             <a:fld id="{2E2D5BC7-3CC9-4CF8-9043-E85E9F2EC4FF}" type="datetimeFigureOut">
               <a:rPr lang="ko-KR" altLang="en-US" smtClean="0"/>
-              <a:t>2022-11-26</a:t>
+              <a:t>2022-12-05</a:t>
             </a:fld>
             <a:endParaRPr lang="ko-KR" altLang="en-US"/>
           </a:p>
@@ -6583,7 +6583,7 @@
           <a:p>
             <a:fld id="{2E2D5BC7-3CC9-4CF8-9043-E85E9F2EC4FF}" type="datetimeFigureOut">
               <a:rPr lang="ko-KR" altLang="en-US" smtClean="0"/>
-              <a:t>2022-11-26</a:t>
+              <a:t>2022-12-05</a:t>
             </a:fld>
             <a:endParaRPr lang="ko-KR" altLang="en-US"/>
           </a:p>
@@ -6894,7 +6894,7 @@
           <a:p>
             <a:fld id="{2E2D5BC7-3CC9-4CF8-9043-E85E9F2EC4FF}" type="datetimeFigureOut">
               <a:rPr lang="ko-KR" altLang="en-US" smtClean="0"/>
-              <a:t>2022-11-26</a:t>
+              <a:t>2022-12-05</a:t>
             </a:fld>
             <a:endParaRPr lang="ko-KR" altLang="en-US"/>
           </a:p>
@@ -7182,7 +7182,7 @@
           <a:p>
             <a:fld id="{2E2D5BC7-3CC9-4CF8-9043-E85E9F2EC4FF}" type="datetimeFigureOut">
               <a:rPr lang="ko-KR" altLang="en-US" smtClean="0"/>
-              <a:t>2022-11-26</a:t>
+              <a:t>2022-12-05</a:t>
             </a:fld>
             <a:endParaRPr lang="ko-KR" altLang="en-US"/>
           </a:p>
@@ -7423,7 +7423,7 @@
           <a:p>
             <a:fld id="{2E2D5BC7-3CC9-4CF8-9043-E85E9F2EC4FF}" type="datetimeFigureOut">
               <a:rPr lang="ko-KR" altLang="en-US" smtClean="0"/>
-              <a:t>2022-11-26</a:t>
+              <a:t>2022-12-05</a:t>
             </a:fld>
             <a:endParaRPr lang="ko-KR" altLang="en-US"/>
           </a:p>
@@ -9191,8 +9191,8 @@
         </p:nvSpPr>
         <p:spPr>
           <a:xfrm>
-            <a:off x="3720729" y="270561"/>
-            <a:ext cx="4750596" cy="584775"/>
+            <a:off x="3379806" y="270561"/>
+            <a:ext cx="5432449" cy="584775"/>
           </a:xfrm>
           <a:prstGeom prst="rect">
             <a:avLst/>
@@ -9216,19 +9216,7 @@
             </a:r>
             <a:r>
               <a:rPr lang="en-US" altLang="ko-KR" sz="3200" dirty="0"/>
-              <a:t>: </a:t>
-            </a:r>
-            <a:r>
-              <a:rPr lang="ko-KR" altLang="en-US" sz="3200" dirty="0"/>
-              <a:t>병합 </a:t>
-            </a:r>
-            <a:r>
-              <a:rPr lang="ko-KR" altLang="en-US" sz="3200" dirty="0" err="1"/>
-              <a:t>커밋</a:t>
-            </a:r>
-            <a:r>
-              <a:rPr lang="en-US" altLang="ko-KR" sz="3200" dirty="0"/>
-              <a:t>]</a:t>
+              <a:t>: 3-way-merge]</a:t>
             </a:r>
           </a:p>
         </p:txBody>
@@ -9470,8 +9458,8 @@
         </p:nvSpPr>
         <p:spPr>
           <a:xfrm>
-            <a:off x="3720729" y="270561"/>
-            <a:ext cx="4750596" cy="584775"/>
+            <a:off x="3379803" y="270561"/>
+            <a:ext cx="5432449" cy="584775"/>
           </a:xfrm>
           <a:prstGeom prst="rect">
             <a:avLst/>
@@ -9495,19 +9483,7 @@
             </a:r>
             <a:r>
               <a:rPr lang="en-US" altLang="ko-KR" sz="3200" dirty="0"/>
-              <a:t>: </a:t>
-            </a:r>
-            <a:r>
-              <a:rPr lang="ko-KR" altLang="en-US" sz="3200" dirty="0"/>
-              <a:t>병합 </a:t>
-            </a:r>
-            <a:r>
-              <a:rPr lang="ko-KR" altLang="en-US" sz="3200" dirty="0" err="1"/>
-              <a:t>커밋</a:t>
-            </a:r>
-            <a:r>
-              <a:rPr lang="en-US" altLang="ko-KR" sz="3200" dirty="0"/>
-              <a:t>]</a:t>
+              <a:t>: 3-way-merge]</a:t>
             </a:r>
           </a:p>
         </p:txBody>
@@ -9526,8 +9502,8 @@
         </p:nvSpPr>
         <p:spPr>
           <a:xfrm>
-            <a:off x="929446" y="5779557"/>
-            <a:ext cx="10333278" cy="369332"/>
+            <a:off x="107912" y="5779557"/>
+            <a:ext cx="11976355" cy="923330"/>
           </a:xfrm>
           <a:prstGeom prst="rect">
             <a:avLst/>
@@ -9568,6 +9544,69 @@
             <a:r>
               <a:rPr lang="ko-KR" altLang="en-US" dirty="0"/>
               <a:t> 내의 변경 내용을 하나로 통합해야 한다</a:t>
+            </a:r>
+            <a:r>
+              <a:rPr lang="en-US" altLang="ko-KR" dirty="0"/>
+              <a:t>.</a:t>
+            </a:r>
+          </a:p>
+          <a:p>
+            <a:pPr algn="ctr"/>
+            <a:endParaRPr lang="en-US" altLang="ko-KR" dirty="0"/>
+          </a:p>
+          <a:p>
+            <a:pPr algn="ctr"/>
+            <a:r>
+              <a:rPr lang="ko-KR" altLang="en-US" dirty="0"/>
+              <a:t>각 </a:t>
+            </a:r>
+            <a:r>
+              <a:rPr lang="ko-KR" altLang="en-US" dirty="0" err="1"/>
+              <a:t>브랜치의</a:t>
+            </a:r>
+            <a:r>
+              <a:rPr lang="ko-KR" altLang="en-US" dirty="0"/>
+              <a:t> 마지막 </a:t>
+            </a:r>
+            <a:r>
+              <a:rPr lang="ko-KR" altLang="en-US" dirty="0" err="1"/>
+              <a:t>커밋</a:t>
+            </a:r>
+            <a:r>
+              <a:rPr lang="ko-KR" altLang="en-US" dirty="0"/>
+              <a:t> 두 개와 공통 </a:t>
+            </a:r>
+            <a:r>
+              <a:rPr lang="ko-KR" altLang="en-US" dirty="0" err="1"/>
+              <a:t>조상까지하여</a:t>
+            </a:r>
+            <a:r>
+              <a:rPr lang="ko-KR" altLang="en-US" dirty="0"/>
+              <a:t> 총 </a:t>
+            </a:r>
+            <a:r>
+              <a:rPr lang="en-US" altLang="ko-KR" dirty="0"/>
+              <a:t>3</a:t>
+            </a:r>
+            <a:r>
+              <a:rPr lang="ko-KR" altLang="en-US" dirty="0"/>
+              <a:t>개의 </a:t>
+            </a:r>
+            <a:r>
+              <a:rPr lang="ko-KR" altLang="en-US" dirty="0" err="1"/>
+              <a:t>커밋을</a:t>
+            </a:r>
+            <a:r>
+              <a:rPr lang="ko-KR" altLang="en-US" dirty="0"/>
+              <a:t> 이용하여 새로운 </a:t>
+            </a:r>
+            <a:r>
+              <a:rPr lang="ko-KR" altLang="en-US" dirty="0" err="1"/>
+              <a:t>커밋을</a:t>
+            </a:r>
+            <a:r>
+              <a:rPr lang="ko-KR" altLang="en-US" dirty="0"/>
+              <a:t> 만들어내는 것이다</a:t>
             </a:r>
             <a:r>
               <a:rPr lang="en-US" altLang="ko-KR" dirty="0"/>
@@ -9702,8 +9741,8 @@
         </p:nvSpPr>
         <p:spPr>
           <a:xfrm>
-            <a:off x="3720722" y="270561"/>
-            <a:ext cx="4750596" cy="584775"/>
+            <a:off x="3379796" y="270561"/>
+            <a:ext cx="5432449" cy="584775"/>
           </a:xfrm>
           <a:prstGeom prst="rect">
             <a:avLst/>
@@ -9727,19 +9766,7 @@
             </a:r>
             <a:r>
               <a:rPr lang="en-US" altLang="ko-KR" sz="3200" dirty="0"/>
-              <a:t>: </a:t>
-            </a:r>
-            <a:r>
-              <a:rPr lang="ko-KR" altLang="en-US" sz="3200" dirty="0"/>
-              <a:t>병합 </a:t>
-            </a:r>
-            <a:r>
-              <a:rPr lang="ko-KR" altLang="en-US" sz="3200" dirty="0" err="1"/>
-              <a:t>커밋</a:t>
-            </a:r>
-            <a:r>
-              <a:rPr lang="en-US" altLang="ko-KR" sz="3200" dirty="0"/>
-              <a:t>]</a:t>
+              <a:t>: 3-way-merge]</a:t>
             </a:r>
           </a:p>
         </p:txBody>
@@ -11105,8 +11132,8 @@
         </p:nvSpPr>
         <p:spPr>
           <a:xfrm>
-            <a:off x="4857569" y="6002664"/>
-            <a:ext cx="2476961" cy="369332"/>
+            <a:off x="4666044" y="6002664"/>
+            <a:ext cx="2860014" cy="369332"/>
           </a:xfrm>
           <a:prstGeom prst="rect">
             <a:avLst/>
@@ -11121,28 +11148,32 @@
           <a:p>
             <a:pPr algn="ctr"/>
             <a:r>
+              <a:rPr lang="en-US" altLang="ko-KR" sz="1800" dirty="0">
+                <a:solidFill>
+                  <a:srgbClr val="FF0000"/>
+                </a:solidFill>
+              </a:rPr>
+              <a:t>3-way-merge</a:t>
+            </a:r>
+            <a:r>
+              <a:rPr lang="ko-KR" altLang="en-US" sz="1800" dirty="0">
+                <a:solidFill>
+                  <a:srgbClr val="FF0000"/>
+                </a:solidFill>
+              </a:rPr>
+              <a:t>이</a:t>
+            </a:r>
+            <a:r>
+              <a:rPr lang="en-US" altLang="ko-KR" sz="1800" dirty="0"/>
+              <a:t> </a:t>
+            </a:r>
+            <a:r>
               <a:rPr lang="ko-KR" altLang="en-US" dirty="0">
                 <a:solidFill>
                   <a:srgbClr val="FF0000"/>
                 </a:solidFill>
               </a:rPr>
-              <a:t>병합 </a:t>
-            </a:r>
-            <a:r>
-              <a:rPr lang="ko-KR" altLang="en-US" dirty="0" err="1">
-                <a:solidFill>
-                  <a:srgbClr val="FF0000"/>
-                </a:solidFill>
-              </a:rPr>
-              <a:t>커밋이</a:t>
-            </a:r>
-            <a:r>
-              <a:rPr lang="ko-KR" altLang="en-US" dirty="0">
-                <a:solidFill>
-                  <a:srgbClr val="FF0000"/>
-                </a:solidFill>
-              </a:rPr>
-              <a:t> 발생한다</a:t>
+              <a:t>발생한다</a:t>
             </a:r>
             <a:r>
               <a:rPr lang="en-US" altLang="ko-KR" dirty="0">
@@ -15287,6 +15318,123 @@
           </a:p>
         </p:txBody>
       </p:sp>
+      <p:sp>
+        <p:nvSpPr>
+          <p:cNvPr id="2" name="TextBox 1">
+            <a:extLst>
+              <a:ext uri="{FF2B5EF4-FFF2-40B4-BE49-F238E27FC236}">
+                <a16:creationId xmlns:a16="http://schemas.microsoft.com/office/drawing/2014/main" id="{168A77BF-43AE-47DB-DC13-ED4406324D11}"/>
+              </a:ext>
+            </a:extLst>
+          </p:cNvPr>
+          <p:cNvSpPr txBox="1"/>
+          <p:nvPr/>
+        </p:nvSpPr>
+        <p:spPr>
+          <a:xfrm>
+            <a:off x="243444" y="3293009"/>
+            <a:ext cx="6851299" cy="646331"/>
+          </a:xfrm>
+          <a:prstGeom prst="rect">
+            <a:avLst/>
+          </a:prstGeom>
+          <a:noFill/>
+        </p:spPr>
+        <p:txBody>
+          <a:bodyPr wrap="none" rtlCol="0">
+            <a:spAutoFit/>
+          </a:bodyPr>
+          <a:lstStyle/>
+          <a:p>
+            <a:r>
+              <a:rPr lang="en-US" altLang="ko-KR" dirty="0" err="1">
+                <a:solidFill>
+                  <a:srgbClr val="222222"/>
+                </a:solidFill>
+                <a:latin typeface="Noto Sans Medium"/>
+              </a:rPr>
+              <a:t>Wonyong</a:t>
+            </a:r>
+            <a:r>
+              <a:rPr lang="en-US" altLang="ko-KR" dirty="0">
+                <a:solidFill>
+                  <a:srgbClr val="222222"/>
+                </a:solidFill>
+                <a:latin typeface="Noto Sans Medium"/>
+              </a:rPr>
+              <a:t> Jang, </a:t>
+            </a:r>
+            <a:r>
+              <a:rPr lang="en-US" altLang="ko-KR" b="0" i="0" dirty="0">
+                <a:solidFill>
+                  <a:srgbClr val="222222"/>
+                </a:solidFill>
+                <a:effectLst/>
+                <a:latin typeface="Noto Sans Medium"/>
+              </a:rPr>
+              <a:t>“</a:t>
+            </a:r>
+            <a:r>
+              <a:rPr lang="en-US" altLang="ko-KR" b="0" i="0" dirty="0">
+                <a:solidFill>
+                  <a:srgbClr val="000C34"/>
+                </a:solidFill>
+                <a:effectLst/>
+                <a:latin typeface="roboto-medium"/>
+              </a:rPr>
+              <a:t>[Git] Merge(3-way merge) </a:t>
+            </a:r>
+            <a:r>
+              <a:rPr lang="ko-KR" altLang="en-US" b="0" i="0" dirty="0">
+                <a:solidFill>
+                  <a:srgbClr val="000C34"/>
+                </a:solidFill>
+                <a:effectLst/>
+                <a:latin typeface="roboto-medium"/>
+              </a:rPr>
+              <a:t>이해하기</a:t>
+            </a:r>
+            <a:r>
+              <a:rPr lang="en-US" altLang="ko-KR" b="0" i="0" dirty="0">
+                <a:solidFill>
+                  <a:srgbClr val="222222"/>
+                </a:solidFill>
+                <a:effectLst/>
+                <a:latin typeface="Noto Sans Medium"/>
+              </a:rPr>
+              <a:t>”</a:t>
+            </a:r>
+            <a:r>
+              <a:rPr lang="en-US" altLang="ko-KR" dirty="0">
+                <a:solidFill>
+                  <a:srgbClr val="222222"/>
+                </a:solidFill>
+                <a:latin typeface="Noto Sans Medium"/>
+              </a:rPr>
+              <a:t>, 2021.02.05.,</a:t>
+            </a:r>
+          </a:p>
+          <a:p>
+            <a:r>
+              <a:rPr lang="en-US" altLang="ko-KR" b="0" i="0" dirty="0">
+                <a:solidFill>
+                  <a:srgbClr val="222222"/>
+                </a:solidFill>
+                <a:effectLst/>
+                <a:latin typeface="Noto Sans Medium"/>
+              </a:rPr>
+              <a:t>&lt;https://wonyong-jang.github.io/git/2021/02/05/Github-Merge.html&gt;.</a:t>
+            </a:r>
+            <a:endParaRPr lang="ko-KR" altLang="en-US" b="0" i="0" dirty="0">
+              <a:solidFill>
+                <a:srgbClr val="222222"/>
+              </a:solidFill>
+              <a:effectLst/>
+              <a:latin typeface="Noto Sans Medium"/>
+            </a:endParaRPr>
+          </a:p>
+        </p:txBody>
+      </p:sp>
     </p:spTree>
     <p:extLst>
       <p:ext uri="{BB962C8B-B14F-4D97-AF65-F5344CB8AC3E}">
@@ -18080,7 +18228,7 @@
         <p:spPr>
           <a:xfrm>
             <a:off x="804585" y="1598154"/>
-            <a:ext cx="3524876" cy="400110"/>
+            <a:ext cx="2075761" cy="400110"/>
           </a:xfrm>
           <a:prstGeom prst="rect">
             <a:avLst/>
@@ -18094,21 +18242,10 @@
           <a:lstStyle/>
           <a:p>
             <a:r>
-              <a:rPr lang="en-US" altLang="ko-KR" sz="2000" dirty="0"/>
-              <a:t>① Merge commit(</a:t>
-            </a:r>
-            <a:r>
-              <a:rPr lang="ko-KR" altLang="en-US" sz="2000" dirty="0"/>
-              <a:t>병합 </a:t>
-            </a:r>
-            <a:r>
-              <a:rPr lang="ko-KR" altLang="en-US" sz="2000" dirty="0" err="1"/>
-              <a:t>커밋</a:t>
-            </a:r>
-            <a:r>
-              <a:rPr lang="en-US" altLang="ko-KR" sz="2000" dirty="0"/>
-              <a:t>)</a:t>
-            </a:r>
+              <a:rPr lang="en-US" altLang="ko-KR" sz="2000"/>
+              <a:t>① 3-way-merge</a:t>
+            </a:r>
+            <a:endParaRPr lang="en-US" altLang="ko-KR" sz="2000" dirty="0"/>
           </a:p>
         </p:txBody>
       </p:sp>
